--- a/5_presentations/Dictionaries.pptx
+++ b/5_presentations/Dictionaries.pptx
@@ -6,15 +6,17 @@
     <p:sldMasterId id="2147483661" r:id="rId2"/>
   </p:sldMasterIdLst>
   <p:notesMasterIdLst>
-    <p:notesMasterId r:id="rId9"/>
+    <p:notesMasterId r:id="rId11"/>
   </p:notesMasterIdLst>
   <p:sldIdLst>
     <p:sldId id="256" r:id="rId3"/>
     <p:sldId id="1574" r:id="rId4"/>
     <p:sldId id="1623" r:id="rId5"/>
     <p:sldId id="1575" r:id="rId6"/>
-    <p:sldId id="1624" r:id="rId7"/>
-    <p:sldId id="1622" r:id="rId8"/>
+    <p:sldId id="1625" r:id="rId7"/>
+    <p:sldId id="1626" r:id="rId8"/>
+    <p:sldId id="1624" r:id="rId9"/>
+    <p:sldId id="1622" r:id="rId10"/>
   </p:sldIdLst>
   <p:sldSz cx="12192000" cy="6858000"/>
   <p:notesSz cx="6858000" cy="9144000"/>
@@ -203,7 +205,7 @@
           <a:p>
             <a:fld id="{354D3AFA-F451-444D-BAEC-38D955773079}" type="datetimeFigureOut">
               <a:rPr lang="en-US" smtClean="0"/>
-              <a:t>12/18/2019</a:t>
+              <a:t>3/7/2020</a:t>
             </a:fld>
             <a:endParaRPr lang="en-US"/>
           </a:p>
@@ -713,7 +715,7 @@
                 <a:tabLst/>
                 <a:defRPr/>
               </a:pPr>
-              <a:t>12/18/2019 10:58 AM</a:t>
+              <a:t>3/7/2020 10:24 AM</a:t>
             </a:fld>
             <a:endParaRPr kumimoji="0" lang="en-US" sz="1200" b="0" i="0" u="none" strike="noStrike" kern="1200" cap="none" spc="0" normalizeH="0" baseline="0" noProof="0" dirty="0">
               <a:ln>
@@ -1071,7 +1073,7 @@
                 <a:tabLst/>
                 <a:defRPr/>
               </a:pPr>
-              <a:t>12/18/2019 11:23 AM</a:t>
+              <a:t>3/7/2020 10:24 AM</a:t>
             </a:fld>
             <a:endParaRPr kumimoji="0" lang="en-US" sz="1200" b="0" i="0" u="none" strike="noStrike" kern="1200" cap="none" spc="0" normalizeH="0" baseline="0" noProof="0" dirty="0">
               <a:ln>
@@ -1429,7 +1431,7 @@
                 <a:tabLst/>
                 <a:defRPr/>
               </a:pPr>
-              <a:t>12/18/2019 11:03 AM</a:t>
+              <a:t>3/7/2020 10:24 AM</a:t>
             </a:fld>
             <a:endParaRPr kumimoji="0" lang="en-US" sz="1200" b="0" i="0" u="none" strike="noStrike" kern="1200" cap="none" spc="0" normalizeH="0" baseline="0" noProof="0" dirty="0">
               <a:ln>
@@ -1787,7 +1789,7 @@
                 <a:tabLst/>
                 <a:defRPr/>
               </a:pPr>
-              <a:t>12/18/2019 11:30 AM</a:t>
+              <a:t>3/7/2020 10:25 AM</a:t>
             </a:fld>
             <a:endParaRPr kumimoji="0" lang="en-US" sz="1200" b="0" i="0" u="none" strike="noStrike" kern="1200" cap="none" spc="0" normalizeH="0" baseline="0" noProof="0" dirty="0">
               <a:ln>
@@ -1892,6 +1894,722 @@
     </p:spTree>
     <p:extLst>
       <p:ext uri="{BB962C8B-B14F-4D97-AF65-F5344CB8AC3E}">
+        <p14:creationId xmlns:p14="http://schemas.microsoft.com/office/powerpoint/2010/main" val="529550923"/>
+      </p:ext>
+    </p:extLst>
+  </p:cSld>
+  <p:clrMapOvr>
+    <a:masterClrMapping/>
+  </p:clrMapOvr>
+</p:notes>
+</file>
+
+<file path=ppt/notesSlides/notesSlide5.xml><?xml version="1.0" encoding="utf-8"?>
+<p:notes xmlns:a="http://schemas.openxmlformats.org/drawingml/2006/main" xmlns:r="http://schemas.openxmlformats.org/officeDocument/2006/relationships" xmlns:p="http://schemas.openxmlformats.org/presentationml/2006/main">
+  <p:cSld>
+    <p:spTree>
+      <p:nvGrpSpPr>
+        <p:cNvPr id="1" name=""/>
+        <p:cNvGrpSpPr/>
+        <p:nvPr/>
+      </p:nvGrpSpPr>
+      <p:grpSpPr>
+        <a:xfrm>
+          <a:off x="0" y="0"/>
+          <a:ext cx="0" cy="0"/>
+          <a:chOff x="0" y="0"/>
+          <a:chExt cx="0" cy="0"/>
+        </a:xfrm>
+      </p:grpSpPr>
+      <p:sp>
+        <p:nvSpPr>
+          <p:cNvPr id="2" name="Slide Image Placeholder 1"/>
+          <p:cNvSpPr>
+            <a:spLocks noGrp="1" noRot="1" noChangeAspect="1"/>
+          </p:cNvSpPr>
+          <p:nvPr>
+            <p:ph type="sldImg"/>
+          </p:nvPr>
+        </p:nvSpPr>
+        <p:spPr/>
+      </p:sp>
+      <p:sp>
+        <p:nvSpPr>
+          <p:cNvPr id="3" name="Notes Placeholder 2"/>
+          <p:cNvSpPr>
+            <a:spLocks noGrp="1"/>
+          </p:cNvSpPr>
+          <p:nvPr>
+            <p:ph type="body" idx="1"/>
+          </p:nvPr>
+        </p:nvSpPr>
+        <p:spPr/>
+        <p:txBody>
+          <a:bodyPr/>
+          <a:lstStyle/>
+          <a:p>
+            <a:endParaRPr lang="en-US" dirty="0"/>
+          </a:p>
+        </p:txBody>
+      </p:sp>
+      <p:sp>
+        <p:nvSpPr>
+          <p:cNvPr id="4" name="Header Placeholder 3"/>
+          <p:cNvSpPr>
+            <a:spLocks noGrp="1"/>
+          </p:cNvSpPr>
+          <p:nvPr>
+            <p:ph type="hdr" sz="quarter" idx="10"/>
+          </p:nvPr>
+        </p:nvSpPr>
+        <p:spPr/>
+        <p:txBody>
+          <a:bodyPr/>
+          <a:lstStyle/>
+          <a:p>
+            <a:pPr marL="0" marR="0" lvl="0" indent="0" algn="l" defTabSz="932742" rtl="0" eaLnBrk="1" fontAlgn="auto" latinLnBrk="0" hangingPunct="1">
+              <a:lnSpc>
+                <a:spcPct val="100000"/>
+              </a:lnSpc>
+              <a:spcBef>
+                <a:spcPts val="0"/>
+              </a:spcBef>
+              <a:spcAft>
+                <a:spcPts val="0"/>
+              </a:spcAft>
+              <a:buClrTx/>
+              <a:buSzTx/>
+              <a:buFontTx/>
+              <a:buNone/>
+              <a:tabLst/>
+              <a:defRPr/>
+            </a:pPr>
+            <a:endParaRPr kumimoji="0" lang="en-US" sz="1200" b="0" i="0" u="none" strike="noStrike" kern="1200" cap="none" spc="0" normalizeH="0" baseline="0" noProof="0" dirty="0">
+              <a:ln>
+                <a:noFill/>
+              </a:ln>
+              <a:solidFill>
+                <a:prstClr val="black"/>
+              </a:solidFill>
+              <a:effectLst/>
+              <a:uLnTx/>
+              <a:uFillTx/>
+              <a:latin typeface="Segoe UI" pitchFamily="34" charset="0"/>
+              <a:ea typeface="+mn-ea"/>
+              <a:cs typeface="+mn-cs"/>
+            </a:endParaRPr>
+          </a:p>
+        </p:txBody>
+      </p:sp>
+      <p:sp>
+        <p:nvSpPr>
+          <p:cNvPr id="5" name="Footer Placeholder 4"/>
+          <p:cNvSpPr>
+            <a:spLocks noGrp="1"/>
+          </p:cNvSpPr>
+          <p:nvPr>
+            <p:ph type="ftr" sz="quarter" idx="11"/>
+          </p:nvPr>
+        </p:nvSpPr>
+        <p:spPr/>
+        <p:txBody>
+          <a:bodyPr/>
+          <a:lstStyle/>
+          <a:p>
+            <a:pPr marL="571500" marR="0" lvl="0" indent="0" algn="l" defTabSz="914099" rtl="0" eaLnBrk="0" fontAlgn="auto" latinLnBrk="0" hangingPunct="0">
+              <a:lnSpc>
+                <a:spcPct val="100000"/>
+              </a:lnSpc>
+              <a:spcBef>
+                <a:spcPts val="0"/>
+              </a:spcBef>
+              <a:spcAft>
+                <a:spcPts val="0"/>
+              </a:spcAft>
+              <a:buClrTx/>
+              <a:buSzTx/>
+              <a:buFontTx/>
+              <a:buNone/>
+              <a:tabLst/>
+              <a:defRPr/>
+            </a:pPr>
+            <a:r>
+              <a:rPr kumimoji="0" lang="en-US" sz="400" b="0" i="0" u="none" strike="noStrike" kern="1200" cap="none" spc="0" normalizeH="0" baseline="0" noProof="0">
+                <a:ln>
+                  <a:noFill/>
+                </a:ln>
+                <a:gradFill>
+                  <a:gsLst>
+                    <a:gs pos="0">
+                      <a:prstClr val="black"/>
+                    </a:gs>
+                    <a:gs pos="100000">
+                      <a:prstClr val="black"/>
+                    </a:gs>
+                  </a:gsLst>
+                  <a:lin ang="5400000" scaled="0"/>
+                </a:gradFill>
+                <a:effectLst/>
+                <a:uLnTx/>
+                <a:uFillTx/>
+                <a:latin typeface="Segoe UI" pitchFamily="34" charset="0"/>
+                <a:ea typeface="Segoe UI" pitchFamily="34" charset="0"/>
+                <a:cs typeface="Segoe UI" pitchFamily="34" charset="0"/>
+              </a:rPr>
+              <a:t>© Microsoft Corporation. All rights reserved. MICROSOFT MAKES NO WARRANTIES, EXPRESS, IMPLIED OR STATUTORY, AS TO THE INFORMATION IN THIS PRESENTATION.</a:t>
+            </a:r>
+            <a:endParaRPr kumimoji="0" lang="en-US" sz="400" b="0" i="0" u="none" strike="noStrike" kern="1200" cap="none" spc="0" normalizeH="0" baseline="0" noProof="0" dirty="0">
+              <a:ln>
+                <a:noFill/>
+              </a:ln>
+              <a:gradFill>
+                <a:gsLst>
+                  <a:gs pos="0">
+                    <a:prstClr val="black"/>
+                  </a:gs>
+                  <a:gs pos="100000">
+                    <a:prstClr val="black"/>
+                  </a:gs>
+                </a:gsLst>
+                <a:lin ang="5400000" scaled="0"/>
+              </a:gradFill>
+              <a:effectLst/>
+              <a:uLnTx/>
+              <a:uFillTx/>
+              <a:latin typeface="Segoe UI" pitchFamily="34" charset="0"/>
+              <a:ea typeface="Segoe UI" pitchFamily="34" charset="0"/>
+              <a:cs typeface="Segoe UI" pitchFamily="34" charset="0"/>
+            </a:endParaRPr>
+          </a:p>
+        </p:txBody>
+      </p:sp>
+      <p:sp>
+        <p:nvSpPr>
+          <p:cNvPr id="6" name="Date Placeholder 5"/>
+          <p:cNvSpPr>
+            <a:spLocks noGrp="1"/>
+          </p:cNvSpPr>
+          <p:nvPr>
+            <p:ph type="dt" idx="12"/>
+          </p:nvPr>
+        </p:nvSpPr>
+        <p:spPr/>
+        <p:txBody>
+          <a:bodyPr/>
+          <a:lstStyle/>
+          <a:p>
+            <a:pPr marL="0" marR="0" lvl="0" indent="0" algn="r" defTabSz="932742" rtl="0" eaLnBrk="1" fontAlgn="auto" latinLnBrk="0" hangingPunct="1">
+              <a:lnSpc>
+                <a:spcPct val="100000"/>
+              </a:lnSpc>
+              <a:spcBef>
+                <a:spcPts val="0"/>
+              </a:spcBef>
+              <a:spcAft>
+                <a:spcPts val="0"/>
+              </a:spcAft>
+              <a:buClrTx/>
+              <a:buSzTx/>
+              <a:buFontTx/>
+              <a:buNone/>
+              <a:tabLst/>
+              <a:defRPr/>
+            </a:pPr>
+            <a:fld id="{35A2D088-BDBD-41A5-ADCE-5C6A4DC08057}" type="datetime8">
+              <a:rPr kumimoji="0" lang="en-US" sz="1200" b="0" i="0" u="none" strike="noStrike" kern="1200" cap="none" spc="0" normalizeH="0" baseline="0" noProof="0" smtClean="0">
+                <a:ln>
+                  <a:noFill/>
+                </a:ln>
+                <a:solidFill>
+                  <a:prstClr val="black"/>
+                </a:solidFill>
+                <a:effectLst/>
+                <a:uLnTx/>
+                <a:uFillTx/>
+                <a:latin typeface="Segoe UI" pitchFamily="34" charset="0"/>
+                <a:ea typeface="+mn-ea"/>
+                <a:cs typeface="+mn-cs"/>
+              </a:rPr>
+              <a:pPr marL="0" marR="0" lvl="0" indent="0" algn="r" defTabSz="932742" rtl="0" eaLnBrk="1" fontAlgn="auto" latinLnBrk="0" hangingPunct="1">
+                <a:lnSpc>
+                  <a:spcPct val="100000"/>
+                </a:lnSpc>
+                <a:spcBef>
+                  <a:spcPts val="0"/>
+                </a:spcBef>
+                <a:spcAft>
+                  <a:spcPts val="0"/>
+                </a:spcAft>
+                <a:buClrTx/>
+                <a:buSzTx/>
+                <a:buFontTx/>
+                <a:buNone/>
+                <a:tabLst/>
+                <a:defRPr/>
+              </a:pPr>
+              <a:t>3/7/2020 10:31 AM</a:t>
+            </a:fld>
+            <a:endParaRPr kumimoji="0" lang="en-US" sz="1200" b="0" i="0" u="none" strike="noStrike" kern="1200" cap="none" spc="0" normalizeH="0" baseline="0" noProof="0" dirty="0">
+              <a:ln>
+                <a:noFill/>
+              </a:ln>
+              <a:solidFill>
+                <a:prstClr val="black"/>
+              </a:solidFill>
+              <a:effectLst/>
+              <a:uLnTx/>
+              <a:uFillTx/>
+              <a:latin typeface="Segoe UI" pitchFamily="34" charset="0"/>
+              <a:ea typeface="+mn-ea"/>
+              <a:cs typeface="+mn-cs"/>
+            </a:endParaRPr>
+          </a:p>
+        </p:txBody>
+      </p:sp>
+      <p:sp>
+        <p:nvSpPr>
+          <p:cNvPr id="7" name="Slide Number Placeholder 6"/>
+          <p:cNvSpPr>
+            <a:spLocks noGrp="1"/>
+          </p:cNvSpPr>
+          <p:nvPr>
+            <p:ph type="sldNum" sz="quarter" idx="13"/>
+          </p:nvPr>
+        </p:nvSpPr>
+        <p:spPr/>
+        <p:txBody>
+          <a:bodyPr/>
+          <a:lstStyle/>
+          <a:p>
+            <a:pPr marL="0" marR="0" lvl="0" indent="0" algn="r" defTabSz="932742" rtl="0" eaLnBrk="1" fontAlgn="auto" latinLnBrk="0" hangingPunct="1">
+              <a:lnSpc>
+                <a:spcPct val="100000"/>
+              </a:lnSpc>
+              <a:spcBef>
+                <a:spcPts val="0"/>
+              </a:spcBef>
+              <a:spcAft>
+                <a:spcPts val="0"/>
+              </a:spcAft>
+              <a:buClrTx/>
+              <a:buSzTx/>
+              <a:buFontTx/>
+              <a:buNone/>
+              <a:tabLst/>
+              <a:defRPr/>
+            </a:pPr>
+            <a:fld id="{B4008EB6-D09E-4580-8CD6-DDB14511944F}" type="slidenum">
+              <a:rPr kumimoji="0" lang="en-US" sz="1200" b="0" i="0" u="none" strike="noStrike" kern="1200" cap="none" spc="0" normalizeH="0" baseline="0" noProof="0" smtClean="0">
+                <a:ln>
+                  <a:noFill/>
+                </a:ln>
+                <a:solidFill>
+                  <a:prstClr val="black"/>
+                </a:solidFill>
+                <a:effectLst/>
+                <a:uLnTx/>
+                <a:uFillTx/>
+                <a:latin typeface="Segoe UI" pitchFamily="34" charset="0"/>
+                <a:ea typeface="+mn-ea"/>
+                <a:cs typeface="+mn-cs"/>
+              </a:rPr>
+              <a:pPr marL="0" marR="0" lvl="0" indent="0" algn="r" defTabSz="932742" rtl="0" eaLnBrk="1" fontAlgn="auto" latinLnBrk="0" hangingPunct="1">
+                <a:lnSpc>
+                  <a:spcPct val="100000"/>
+                </a:lnSpc>
+                <a:spcBef>
+                  <a:spcPts val="0"/>
+                </a:spcBef>
+                <a:spcAft>
+                  <a:spcPts val="0"/>
+                </a:spcAft>
+                <a:buClrTx/>
+                <a:buSzTx/>
+                <a:buFontTx/>
+                <a:buNone/>
+                <a:tabLst/>
+                <a:defRPr/>
+              </a:pPr>
+              <a:t>6</a:t>
+            </a:fld>
+            <a:endParaRPr kumimoji="0" lang="en-US" sz="1200" b="0" i="0" u="none" strike="noStrike" kern="1200" cap="none" spc="0" normalizeH="0" baseline="0" noProof="0" dirty="0">
+              <a:ln>
+                <a:noFill/>
+              </a:ln>
+              <a:solidFill>
+                <a:prstClr val="black"/>
+              </a:solidFill>
+              <a:effectLst/>
+              <a:uLnTx/>
+              <a:uFillTx/>
+              <a:latin typeface="Segoe UI" pitchFamily="34" charset="0"/>
+              <a:ea typeface="+mn-ea"/>
+              <a:cs typeface="+mn-cs"/>
+            </a:endParaRPr>
+          </a:p>
+        </p:txBody>
+      </p:sp>
+    </p:spTree>
+    <p:extLst>
+      <p:ext uri="{BB962C8B-B14F-4D97-AF65-F5344CB8AC3E}">
+        <p14:creationId xmlns:p14="http://schemas.microsoft.com/office/powerpoint/2010/main" val="529550923"/>
+      </p:ext>
+    </p:extLst>
+  </p:cSld>
+  <p:clrMapOvr>
+    <a:masterClrMapping/>
+  </p:clrMapOvr>
+</p:notes>
+</file>
+
+<file path=ppt/notesSlides/notesSlide6.xml><?xml version="1.0" encoding="utf-8"?>
+<p:notes xmlns:a="http://schemas.openxmlformats.org/drawingml/2006/main" xmlns:r="http://schemas.openxmlformats.org/officeDocument/2006/relationships" xmlns:p="http://schemas.openxmlformats.org/presentationml/2006/main">
+  <p:cSld>
+    <p:spTree>
+      <p:nvGrpSpPr>
+        <p:cNvPr id="1" name=""/>
+        <p:cNvGrpSpPr/>
+        <p:nvPr/>
+      </p:nvGrpSpPr>
+      <p:grpSpPr>
+        <a:xfrm>
+          <a:off x="0" y="0"/>
+          <a:ext cx="0" cy="0"/>
+          <a:chOff x="0" y="0"/>
+          <a:chExt cx="0" cy="0"/>
+        </a:xfrm>
+      </p:grpSpPr>
+      <p:sp>
+        <p:nvSpPr>
+          <p:cNvPr id="2" name="Slide Image Placeholder 1"/>
+          <p:cNvSpPr>
+            <a:spLocks noGrp="1" noRot="1" noChangeAspect="1"/>
+          </p:cNvSpPr>
+          <p:nvPr>
+            <p:ph type="sldImg"/>
+          </p:nvPr>
+        </p:nvSpPr>
+        <p:spPr/>
+      </p:sp>
+      <p:sp>
+        <p:nvSpPr>
+          <p:cNvPr id="3" name="Notes Placeholder 2"/>
+          <p:cNvSpPr>
+            <a:spLocks noGrp="1"/>
+          </p:cNvSpPr>
+          <p:nvPr>
+            <p:ph type="body" idx="1"/>
+          </p:nvPr>
+        </p:nvSpPr>
+        <p:spPr/>
+        <p:txBody>
+          <a:bodyPr/>
+          <a:lstStyle/>
+          <a:p>
+            <a:endParaRPr lang="en-US" dirty="0"/>
+          </a:p>
+        </p:txBody>
+      </p:sp>
+      <p:sp>
+        <p:nvSpPr>
+          <p:cNvPr id="4" name="Header Placeholder 3"/>
+          <p:cNvSpPr>
+            <a:spLocks noGrp="1"/>
+          </p:cNvSpPr>
+          <p:nvPr>
+            <p:ph type="hdr" sz="quarter" idx="10"/>
+          </p:nvPr>
+        </p:nvSpPr>
+        <p:spPr/>
+        <p:txBody>
+          <a:bodyPr/>
+          <a:lstStyle/>
+          <a:p>
+            <a:pPr marL="0" marR="0" lvl="0" indent="0" algn="l" defTabSz="932742" rtl="0" eaLnBrk="1" fontAlgn="auto" latinLnBrk="0" hangingPunct="1">
+              <a:lnSpc>
+                <a:spcPct val="100000"/>
+              </a:lnSpc>
+              <a:spcBef>
+                <a:spcPts val="0"/>
+              </a:spcBef>
+              <a:spcAft>
+                <a:spcPts val="0"/>
+              </a:spcAft>
+              <a:buClrTx/>
+              <a:buSzTx/>
+              <a:buFontTx/>
+              <a:buNone/>
+              <a:tabLst/>
+              <a:defRPr/>
+            </a:pPr>
+            <a:endParaRPr kumimoji="0" lang="en-US" sz="1200" b="0" i="0" u="none" strike="noStrike" kern="1200" cap="none" spc="0" normalizeH="0" baseline="0" noProof="0" dirty="0">
+              <a:ln>
+                <a:noFill/>
+              </a:ln>
+              <a:solidFill>
+                <a:prstClr val="black"/>
+              </a:solidFill>
+              <a:effectLst/>
+              <a:uLnTx/>
+              <a:uFillTx/>
+              <a:latin typeface="Segoe UI" pitchFamily="34" charset="0"/>
+              <a:ea typeface="+mn-ea"/>
+              <a:cs typeface="+mn-cs"/>
+            </a:endParaRPr>
+          </a:p>
+        </p:txBody>
+      </p:sp>
+      <p:sp>
+        <p:nvSpPr>
+          <p:cNvPr id="5" name="Footer Placeholder 4"/>
+          <p:cNvSpPr>
+            <a:spLocks noGrp="1"/>
+          </p:cNvSpPr>
+          <p:nvPr>
+            <p:ph type="ftr" sz="quarter" idx="11"/>
+          </p:nvPr>
+        </p:nvSpPr>
+        <p:spPr/>
+        <p:txBody>
+          <a:bodyPr/>
+          <a:lstStyle/>
+          <a:p>
+            <a:pPr marL="571500" marR="0" lvl="0" indent="0" algn="l" defTabSz="914099" rtl="0" eaLnBrk="0" fontAlgn="auto" latinLnBrk="0" hangingPunct="0">
+              <a:lnSpc>
+                <a:spcPct val="100000"/>
+              </a:lnSpc>
+              <a:spcBef>
+                <a:spcPts val="0"/>
+              </a:spcBef>
+              <a:spcAft>
+                <a:spcPts val="0"/>
+              </a:spcAft>
+              <a:buClrTx/>
+              <a:buSzTx/>
+              <a:buFontTx/>
+              <a:buNone/>
+              <a:tabLst/>
+              <a:defRPr/>
+            </a:pPr>
+            <a:r>
+              <a:rPr kumimoji="0" lang="en-US" sz="400" b="0" i="0" u="none" strike="noStrike" kern="1200" cap="none" spc="0" normalizeH="0" baseline="0" noProof="0">
+                <a:ln>
+                  <a:noFill/>
+                </a:ln>
+                <a:gradFill>
+                  <a:gsLst>
+                    <a:gs pos="0">
+                      <a:prstClr val="black"/>
+                    </a:gs>
+                    <a:gs pos="100000">
+                      <a:prstClr val="black"/>
+                    </a:gs>
+                  </a:gsLst>
+                  <a:lin ang="5400000" scaled="0"/>
+                </a:gradFill>
+                <a:effectLst/>
+                <a:uLnTx/>
+                <a:uFillTx/>
+                <a:latin typeface="Segoe UI" pitchFamily="34" charset="0"/>
+                <a:ea typeface="Segoe UI" pitchFamily="34" charset="0"/>
+                <a:cs typeface="Segoe UI" pitchFamily="34" charset="0"/>
+              </a:rPr>
+              <a:t>© Microsoft Corporation. All rights reserved. MICROSOFT MAKES NO WARRANTIES, EXPRESS, IMPLIED OR STATUTORY, AS TO THE INFORMATION IN THIS PRESENTATION.</a:t>
+            </a:r>
+            <a:endParaRPr kumimoji="0" lang="en-US" sz="400" b="0" i="0" u="none" strike="noStrike" kern="1200" cap="none" spc="0" normalizeH="0" baseline="0" noProof="0" dirty="0">
+              <a:ln>
+                <a:noFill/>
+              </a:ln>
+              <a:gradFill>
+                <a:gsLst>
+                  <a:gs pos="0">
+                    <a:prstClr val="black"/>
+                  </a:gs>
+                  <a:gs pos="100000">
+                    <a:prstClr val="black"/>
+                  </a:gs>
+                </a:gsLst>
+                <a:lin ang="5400000" scaled="0"/>
+              </a:gradFill>
+              <a:effectLst/>
+              <a:uLnTx/>
+              <a:uFillTx/>
+              <a:latin typeface="Segoe UI" pitchFamily="34" charset="0"/>
+              <a:ea typeface="Segoe UI" pitchFamily="34" charset="0"/>
+              <a:cs typeface="Segoe UI" pitchFamily="34" charset="0"/>
+            </a:endParaRPr>
+          </a:p>
+        </p:txBody>
+      </p:sp>
+      <p:sp>
+        <p:nvSpPr>
+          <p:cNvPr id="6" name="Date Placeholder 5"/>
+          <p:cNvSpPr>
+            <a:spLocks noGrp="1"/>
+          </p:cNvSpPr>
+          <p:nvPr>
+            <p:ph type="dt" idx="12"/>
+          </p:nvPr>
+        </p:nvSpPr>
+        <p:spPr/>
+        <p:txBody>
+          <a:bodyPr/>
+          <a:lstStyle/>
+          <a:p>
+            <a:pPr marL="0" marR="0" lvl="0" indent="0" algn="r" defTabSz="932742" rtl="0" eaLnBrk="1" fontAlgn="auto" latinLnBrk="0" hangingPunct="1">
+              <a:lnSpc>
+                <a:spcPct val="100000"/>
+              </a:lnSpc>
+              <a:spcBef>
+                <a:spcPts val="0"/>
+              </a:spcBef>
+              <a:spcAft>
+                <a:spcPts val="0"/>
+              </a:spcAft>
+              <a:buClrTx/>
+              <a:buSzTx/>
+              <a:buFontTx/>
+              <a:buNone/>
+              <a:tabLst/>
+              <a:defRPr/>
+            </a:pPr>
+            <a:fld id="{35A2D088-BDBD-41A5-ADCE-5C6A4DC08057}" type="datetime8">
+              <a:rPr kumimoji="0" lang="en-US" sz="1200" b="0" i="0" u="none" strike="noStrike" kern="1200" cap="none" spc="0" normalizeH="0" baseline="0" noProof="0" smtClean="0">
+                <a:ln>
+                  <a:noFill/>
+                </a:ln>
+                <a:solidFill>
+                  <a:prstClr val="black"/>
+                </a:solidFill>
+                <a:effectLst/>
+                <a:uLnTx/>
+                <a:uFillTx/>
+                <a:latin typeface="Segoe UI" pitchFamily="34" charset="0"/>
+                <a:ea typeface="+mn-ea"/>
+                <a:cs typeface="+mn-cs"/>
+              </a:rPr>
+              <a:pPr marL="0" marR="0" lvl="0" indent="0" algn="r" defTabSz="932742" rtl="0" eaLnBrk="1" fontAlgn="auto" latinLnBrk="0" hangingPunct="1">
+                <a:lnSpc>
+                  <a:spcPct val="100000"/>
+                </a:lnSpc>
+                <a:spcBef>
+                  <a:spcPts val="0"/>
+                </a:spcBef>
+                <a:spcAft>
+                  <a:spcPts val="0"/>
+                </a:spcAft>
+                <a:buClrTx/>
+                <a:buSzTx/>
+                <a:buFontTx/>
+                <a:buNone/>
+                <a:tabLst/>
+                <a:defRPr/>
+              </a:pPr>
+              <a:t>3/7/2020 10:24 AM</a:t>
+            </a:fld>
+            <a:endParaRPr kumimoji="0" lang="en-US" sz="1200" b="0" i="0" u="none" strike="noStrike" kern="1200" cap="none" spc="0" normalizeH="0" baseline="0" noProof="0" dirty="0">
+              <a:ln>
+                <a:noFill/>
+              </a:ln>
+              <a:solidFill>
+                <a:prstClr val="black"/>
+              </a:solidFill>
+              <a:effectLst/>
+              <a:uLnTx/>
+              <a:uFillTx/>
+              <a:latin typeface="Segoe UI" pitchFamily="34" charset="0"/>
+              <a:ea typeface="+mn-ea"/>
+              <a:cs typeface="+mn-cs"/>
+            </a:endParaRPr>
+          </a:p>
+        </p:txBody>
+      </p:sp>
+      <p:sp>
+        <p:nvSpPr>
+          <p:cNvPr id="7" name="Slide Number Placeholder 6"/>
+          <p:cNvSpPr>
+            <a:spLocks noGrp="1"/>
+          </p:cNvSpPr>
+          <p:nvPr>
+            <p:ph type="sldNum" sz="quarter" idx="13"/>
+          </p:nvPr>
+        </p:nvSpPr>
+        <p:spPr/>
+        <p:txBody>
+          <a:bodyPr/>
+          <a:lstStyle/>
+          <a:p>
+            <a:pPr marL="0" marR="0" lvl="0" indent="0" algn="r" defTabSz="932742" rtl="0" eaLnBrk="1" fontAlgn="auto" latinLnBrk="0" hangingPunct="1">
+              <a:lnSpc>
+                <a:spcPct val="100000"/>
+              </a:lnSpc>
+              <a:spcBef>
+                <a:spcPts val="0"/>
+              </a:spcBef>
+              <a:spcAft>
+                <a:spcPts val="0"/>
+              </a:spcAft>
+              <a:buClrTx/>
+              <a:buSzTx/>
+              <a:buFontTx/>
+              <a:buNone/>
+              <a:tabLst/>
+              <a:defRPr/>
+            </a:pPr>
+            <a:fld id="{B4008EB6-D09E-4580-8CD6-DDB14511944F}" type="slidenum">
+              <a:rPr kumimoji="0" lang="en-US" sz="1200" b="0" i="0" u="none" strike="noStrike" kern="1200" cap="none" spc="0" normalizeH="0" baseline="0" noProof="0" smtClean="0">
+                <a:ln>
+                  <a:noFill/>
+                </a:ln>
+                <a:solidFill>
+                  <a:prstClr val="black"/>
+                </a:solidFill>
+                <a:effectLst/>
+                <a:uLnTx/>
+                <a:uFillTx/>
+                <a:latin typeface="Segoe UI" pitchFamily="34" charset="0"/>
+                <a:ea typeface="+mn-ea"/>
+                <a:cs typeface="+mn-cs"/>
+              </a:rPr>
+              <a:pPr marL="0" marR="0" lvl="0" indent="0" algn="r" defTabSz="932742" rtl="0" eaLnBrk="1" fontAlgn="auto" latinLnBrk="0" hangingPunct="1">
+                <a:lnSpc>
+                  <a:spcPct val="100000"/>
+                </a:lnSpc>
+                <a:spcBef>
+                  <a:spcPts val="0"/>
+                </a:spcBef>
+                <a:spcAft>
+                  <a:spcPts val="0"/>
+                </a:spcAft>
+                <a:buClrTx/>
+                <a:buSzTx/>
+                <a:buFontTx/>
+                <a:buNone/>
+                <a:tabLst/>
+                <a:defRPr/>
+              </a:pPr>
+              <a:t>7</a:t>
+            </a:fld>
+            <a:endParaRPr kumimoji="0" lang="en-US" sz="1200" b="0" i="0" u="none" strike="noStrike" kern="1200" cap="none" spc="0" normalizeH="0" baseline="0" noProof="0" dirty="0">
+              <a:ln>
+                <a:noFill/>
+              </a:ln>
+              <a:solidFill>
+                <a:prstClr val="black"/>
+              </a:solidFill>
+              <a:effectLst/>
+              <a:uLnTx/>
+              <a:uFillTx/>
+              <a:latin typeface="Segoe UI" pitchFamily="34" charset="0"/>
+              <a:ea typeface="+mn-ea"/>
+              <a:cs typeface="+mn-cs"/>
+            </a:endParaRPr>
+          </a:p>
+        </p:txBody>
+      </p:sp>
+    </p:spTree>
+    <p:extLst>
+      <p:ext uri="{BB962C8B-B14F-4D97-AF65-F5344CB8AC3E}">
         <p14:creationId xmlns:p14="http://schemas.microsoft.com/office/powerpoint/2010/main" val="1975625718"/>
       </p:ext>
     </p:extLst>
@@ -1902,7 +2620,7 @@
 </p:notes>
 </file>
 
-<file path=ppt/notesSlides/notesSlide5.xml><?xml version="1.0" encoding="utf-8"?>
+<file path=ppt/notesSlides/notesSlide7.xml><?xml version="1.0" encoding="utf-8"?>
 <p:notes xmlns:a="http://schemas.openxmlformats.org/drawingml/2006/main" xmlns:r="http://schemas.openxmlformats.org/officeDocument/2006/relationships" xmlns:p="http://schemas.openxmlformats.org/presentationml/2006/main">
   <p:cSld>
     <p:spTree>
@@ -2078,7 +2796,7 @@
                 <a:tabLst/>
                 <a:defRPr/>
               </a:pPr>
-              <a:t>12/18/2019 10:58 AM</a:t>
+              <a:t>3/7/2020 10:24 AM</a:t>
             </a:fld>
             <a:endParaRPr kumimoji="0" lang="en-US" sz="1200" b="0" i="0" u="none" strike="noStrike" kern="1200" cap="none" spc="0" normalizeH="0" baseline="0" noProof="0" dirty="0">
               <a:ln>
@@ -2161,7 +2879,7 @@
                 <a:tabLst/>
                 <a:defRPr/>
               </a:pPr>
-              <a:t>6</a:t>
+              <a:t>8</a:t>
             </a:fld>
             <a:endParaRPr kumimoji="0" lang="en-US" sz="1200" b="0" i="0" u="none" strike="noStrike" kern="1200" cap="none" spc="0" normalizeH="0" baseline="0" noProof="0" dirty="0">
               <a:ln>
@@ -2422,7 +3140,7 @@
           <a:p>
             <a:fld id="{DFA8C626-DCFC-44B9-B53F-E89648D7BB7E}" type="datetimeFigureOut">
               <a:rPr lang="en-US" smtClean="0"/>
-              <a:t>12/18/2019</a:t>
+              <a:t>3/7/2020</a:t>
             </a:fld>
             <a:endParaRPr lang="en-US"/>
           </a:p>
@@ -2620,7 +3338,7 @@
           <a:p>
             <a:fld id="{DFA8C626-DCFC-44B9-B53F-E89648D7BB7E}" type="datetimeFigureOut">
               <a:rPr lang="en-US" smtClean="0"/>
-              <a:t>12/18/2019</a:t>
+              <a:t>3/7/2020</a:t>
             </a:fld>
             <a:endParaRPr lang="en-US"/>
           </a:p>
@@ -2828,7 +3546,7 @@
           <a:p>
             <a:fld id="{DFA8C626-DCFC-44B9-B53F-E89648D7BB7E}" type="datetimeFigureOut">
               <a:rPr lang="en-US" smtClean="0"/>
-              <a:t>12/18/2019</a:t>
+              <a:t>3/7/2020</a:t>
             </a:fld>
             <a:endParaRPr lang="en-US"/>
           </a:p>
@@ -4841,7 +5559,7 @@
           <a:p>
             <a:fld id="{DFA8C626-DCFC-44B9-B53F-E89648D7BB7E}" type="datetimeFigureOut">
               <a:rPr lang="en-US" smtClean="0"/>
-              <a:t>12/18/2019</a:t>
+              <a:t>3/7/2020</a:t>
             </a:fld>
             <a:endParaRPr lang="en-US"/>
           </a:p>
@@ -6559,7 +7277,7 @@
           <a:p>
             <a:fld id="{DFA8C626-DCFC-44B9-B53F-E89648D7BB7E}" type="datetimeFigureOut">
               <a:rPr lang="en-US" smtClean="0"/>
-              <a:t>12/18/2019</a:t>
+              <a:t>3/7/2020</a:t>
             </a:fld>
             <a:endParaRPr lang="en-US"/>
           </a:p>
@@ -6824,7 +7542,7 @@
           <a:p>
             <a:fld id="{DFA8C626-DCFC-44B9-B53F-E89648D7BB7E}" type="datetimeFigureOut">
               <a:rPr lang="en-US" smtClean="0"/>
-              <a:t>12/18/2019</a:t>
+              <a:t>3/7/2020</a:t>
             </a:fld>
             <a:endParaRPr lang="en-US"/>
           </a:p>
@@ -7236,7 +7954,7 @@
           <a:p>
             <a:fld id="{DFA8C626-DCFC-44B9-B53F-E89648D7BB7E}" type="datetimeFigureOut">
               <a:rPr lang="en-US" smtClean="0"/>
-              <a:t>12/18/2019</a:t>
+              <a:t>3/7/2020</a:t>
             </a:fld>
             <a:endParaRPr lang="en-US"/>
           </a:p>
@@ -7377,7 +8095,7 @@
           <a:p>
             <a:fld id="{DFA8C626-DCFC-44B9-B53F-E89648D7BB7E}" type="datetimeFigureOut">
               <a:rPr lang="en-US" smtClean="0"/>
-              <a:t>12/18/2019</a:t>
+              <a:t>3/7/2020</a:t>
             </a:fld>
             <a:endParaRPr lang="en-US"/>
           </a:p>
@@ -7490,7 +8208,7 @@
           <a:p>
             <a:fld id="{DFA8C626-DCFC-44B9-B53F-E89648D7BB7E}" type="datetimeFigureOut">
               <a:rPr lang="en-US" smtClean="0"/>
-              <a:t>12/18/2019</a:t>
+              <a:t>3/7/2020</a:t>
             </a:fld>
             <a:endParaRPr lang="en-US"/>
           </a:p>
@@ -7801,7 +8519,7 @@
           <a:p>
             <a:fld id="{DFA8C626-DCFC-44B9-B53F-E89648D7BB7E}" type="datetimeFigureOut">
               <a:rPr lang="en-US" smtClean="0"/>
-              <a:t>12/18/2019</a:t>
+              <a:t>3/7/2020</a:t>
             </a:fld>
             <a:endParaRPr lang="en-US"/>
           </a:p>
@@ -8089,7 +8807,7 @@
           <a:p>
             <a:fld id="{DFA8C626-DCFC-44B9-B53F-E89648D7BB7E}" type="datetimeFigureOut">
               <a:rPr lang="en-US" smtClean="0"/>
-              <a:t>12/18/2019</a:t>
+              <a:t>3/7/2020</a:t>
             </a:fld>
             <a:endParaRPr lang="en-US"/>
           </a:p>
@@ -8330,7 +9048,7 @@
           <a:p>
             <a:fld id="{DFA8C626-DCFC-44B9-B53F-E89648D7BB7E}" type="datetimeFigureOut">
               <a:rPr lang="en-US" smtClean="0"/>
-              <a:t>12/18/2019</a:t>
+              <a:t>3/7/2020</a:t>
             </a:fld>
             <a:endParaRPr lang="en-US"/>
           </a:p>
@@ -9803,7 +10521,7 @@
         <p:spPr>
           <a:xfrm>
             <a:off x="624625" y="1423721"/>
-            <a:ext cx="10550556" cy="4524315"/>
+            <a:ext cx="10550556" cy="5324535"/>
           </a:xfrm>
           <a:prstGeom prst="rect">
             <a:avLst/>
@@ -9834,7 +10552,7 @@
               <a:defRPr/>
             </a:pPr>
             <a:r>
-              <a:rPr kumimoji="0" lang="en-US" sz="3600" b="0" i="0" u="none" strike="noStrike" kern="1200" cap="none" spc="0" normalizeH="0" baseline="0" noProof="0" dirty="0">
+              <a:rPr kumimoji="0" lang="en-US" sz="3400" b="0" i="0" u="none" strike="noStrike" kern="1200" cap="none" spc="0" normalizeH="0" baseline="0" noProof="0" dirty="0">
                 <a:ln>
                   <a:noFill/>
                 </a:ln>
@@ -9854,7 +10572,7 @@
           <a:p>
             <a:pPr lvl="1"/>
             <a:r>
-              <a:rPr lang="en-US" sz="3600" dirty="0">
+              <a:rPr lang="en-US" sz="3400" dirty="0">
                 <a:solidFill>
                   <a:prstClr val="white"/>
                 </a:solidFill>
@@ -9863,7 +10581,7 @@
               <a:t>		keys() -&gt; </a:t>
             </a:r>
             <a:r>
-              <a:rPr lang="en-US" sz="3600" dirty="0" err="1">
+              <a:rPr lang="en-US" sz="3400" dirty="0" err="1">
                 <a:solidFill>
                   <a:prstClr val="white"/>
                 </a:solidFill>
@@ -9872,7 +10590,7 @@
               <a:t>Iterable</a:t>
             </a:r>
             <a:r>
-              <a:rPr lang="en-US" sz="3600" dirty="0">
+              <a:rPr lang="en-US" sz="3400" dirty="0">
                 <a:solidFill>
                   <a:prstClr val="white"/>
                 </a:solidFill>
@@ -9884,7 +10602,7 @@
           <a:p>
             <a:pPr lvl="1"/>
             <a:r>
-              <a:rPr kumimoji="0" lang="en-US" sz="3600" b="0" i="0" u="none" strike="noStrike" kern="1200" cap="none" spc="0" normalizeH="0" baseline="0" noProof="0" dirty="0">
+              <a:rPr kumimoji="0" lang="en-US" sz="3400" b="0" i="0" u="none" strike="noStrike" kern="1200" cap="none" spc="0" normalizeH="0" baseline="0" noProof="0" dirty="0">
                 <a:ln>
                   <a:noFill/>
                 </a:ln>
@@ -9901,7 +10619,7 @@
               <a:t>		values() -&gt; </a:t>
             </a:r>
             <a:r>
-              <a:rPr kumimoji="0" lang="en-US" sz="3600" b="0" i="0" u="none" strike="noStrike" kern="1200" cap="none" spc="0" normalizeH="0" baseline="0" noProof="0" dirty="0" err="1">
+              <a:rPr kumimoji="0" lang="en-US" sz="3400" b="0" i="0" u="none" strike="noStrike" kern="1200" cap="none" spc="0" normalizeH="0" baseline="0" noProof="0" dirty="0" err="1">
                 <a:ln>
                   <a:noFill/>
                 </a:ln>
@@ -9918,7 +10636,7 @@
               <a:t>Iterable</a:t>
             </a:r>
             <a:r>
-              <a:rPr kumimoji="0" lang="en-US" sz="3600" b="0" i="0" u="none" strike="noStrike" kern="1200" cap="none" spc="0" normalizeH="0" baseline="0" noProof="0" dirty="0">
+              <a:rPr kumimoji="0" lang="en-US" sz="3400" b="0" i="0" u="none" strike="noStrike" kern="1200" cap="none" spc="0" normalizeH="0" baseline="0" noProof="0" dirty="0">
                 <a:ln>
                   <a:noFill/>
                 </a:ln>
@@ -9933,76 +10651,6 @@
                 <a:cs typeface="+mn-cs"/>
               </a:rPr>
               <a:t> on available data </a:t>
-            </a:r>
-          </a:p>
-          <a:p>
-            <a:pPr marL="0" marR="0" lvl="0" indent="0" algn="l" defTabSz="914400" rtl="0" eaLnBrk="1" fontAlgn="auto" latinLnBrk="0" hangingPunct="1">
-              <a:lnSpc>
-                <a:spcPct val="100000"/>
-              </a:lnSpc>
-              <a:spcBef>
-                <a:spcPts val="0"/>
-              </a:spcBef>
-              <a:spcAft>
-                <a:spcPts val="0"/>
-              </a:spcAft>
-              <a:buClrTx/>
-              <a:buSzTx/>
-              <a:buFontTx/>
-              <a:buNone/>
-              <a:tabLst/>
-              <a:defRPr/>
-            </a:pPr>
-            <a:r>
-              <a:rPr kumimoji="0" lang="en-US" sz="3600" b="0" i="0" u="none" strike="noStrike" kern="1200" cap="none" spc="0" normalizeH="0" baseline="0" noProof="0" dirty="0">
-                <a:ln>
-                  <a:noFill/>
-                </a:ln>
-                <a:solidFill>
-                  <a:prstClr val="white"/>
-                </a:solidFill>
-                <a:effectLst/>
-                <a:uLnTx/>
-                <a:uFillTx/>
-                <a:latin typeface="Calibri" panose="020F0502020204030204"/>
-                <a:ea typeface="+mn-ea"/>
-                <a:cs typeface="+mn-cs"/>
-              </a:rPr>
-              <a:t>		</a:t>
-            </a:r>
-            <a:r>
-              <a:rPr kumimoji="0" lang="en-US" sz="3600" b="0" i="0" u="none" strike="noStrike" kern="1200" cap="none" spc="0" normalizeH="0" baseline="0" noProof="0" dirty="0" err="1">
-                <a:ln>
-                  <a:noFill/>
-                </a:ln>
-                <a:solidFill>
-                  <a:prstClr val="white"/>
-                </a:solidFill>
-                <a:effectLst/>
-                <a:uLnTx/>
-                <a:uFillTx/>
-                <a:latin typeface="Calibri" panose="020F0502020204030204"/>
-                <a:ea typeface="+mn-ea"/>
-                <a:cs typeface="+mn-cs"/>
-              </a:rPr>
-              <a:t>etc</a:t>
-            </a:r>
-            <a:r>
-              <a:rPr kumimoji="0" lang="en-US" sz="3600" b="0" i="0" u="none" strike="noStrike" kern="1200" cap="none" spc="0" normalizeH="0" baseline="0" noProof="0" dirty="0">
-                <a:ln>
-                  <a:noFill/>
-                </a:ln>
-                <a:solidFill>
-                  <a:prstClr val="white"/>
-                </a:solidFill>
-                <a:effectLst/>
-                <a:uLnTx/>
-                <a:uFillTx/>
-                <a:latin typeface="Calibri" panose="020F0502020204030204"/>
-                <a:ea typeface="+mn-ea"/>
-                <a:cs typeface="+mn-cs"/>
-              </a:rPr>
-              <a:t>…</a:t>
             </a:r>
           </a:p>
           <a:p>
@@ -10024,7 +10672,7 @@
               <a:defRPr/>
             </a:pPr>
             <a:r>
-              <a:rPr kumimoji="0" lang="en-US" sz="3600" b="0" i="0" u="none" strike="noStrike" kern="1200" cap="none" spc="0" normalizeH="0" baseline="0" noProof="0" dirty="0">
+              <a:rPr kumimoji="0" lang="en-US" sz="3400" b="0" i="0" u="none" strike="noStrike" kern="1200" cap="none" spc="0" normalizeH="0" baseline="0" noProof="0" dirty="0">
                 <a:ln>
                   <a:noFill/>
                 </a:ln>
@@ -10038,71 +10686,33 @@
                 <a:ea typeface="+mn-ea"/>
                 <a:cs typeface="+mn-cs"/>
               </a:rPr>
-              <a:t>Iterate a dictionary using the keys:</a:t>
-            </a:r>
-          </a:p>
-          <a:p>
-            <a:pPr marR="0" lvl="0" algn="l" defTabSz="914400" rtl="0" eaLnBrk="1" fontAlgn="auto" latinLnBrk="0" hangingPunct="1">
-              <a:lnSpc>
-                <a:spcPct val="100000"/>
-              </a:lnSpc>
-              <a:spcBef>
-                <a:spcPts val="0"/>
-              </a:spcBef>
-              <a:spcAft>
-                <a:spcPts val="0"/>
-              </a:spcAft>
-              <a:buClrTx/>
-              <a:buSzTx/>
-              <a:tabLst/>
+              <a:t>Keys can be many different types. Strings, integers, functions, but there are a few rules:</a:t>
+            </a:r>
+          </a:p>
+          <a:p>
+            <a:pPr marL="1028700" lvl="1" indent="-571500">
+              <a:buFont typeface="Arial" panose="020B0604020202020204" pitchFamily="34" charset="0"/>
+              <a:buChar char="•"/>
               <a:defRPr/>
             </a:pPr>
             <a:r>
-              <a:rPr lang="en-US" sz="3600" dirty="0">
+              <a:rPr lang="en-US" sz="3400" dirty="0">
                 <a:solidFill>
                   <a:prstClr val="white"/>
                 </a:solidFill>
                 <a:latin typeface="Calibri" panose="020F0502020204030204"/>
               </a:rPr>
-              <a:t>	for key in </a:t>
-            </a:r>
-            <a:r>
-              <a:rPr lang="en-US" sz="3600" dirty="0" err="1">
-                <a:solidFill>
-                  <a:prstClr val="white"/>
-                </a:solidFill>
-                <a:latin typeface="Calibri" panose="020F0502020204030204"/>
-              </a:rPr>
-              <a:t>my_dictionary.keys</a:t>
-            </a:r>
-            <a:r>
-              <a:rPr lang="en-US" sz="3600" dirty="0">
-                <a:solidFill>
-                  <a:prstClr val="white"/>
-                </a:solidFill>
-                <a:latin typeface="Calibri" panose="020F0502020204030204"/>
-              </a:rPr>
-              <a:t>():</a:t>
-            </a:r>
-          </a:p>
-          <a:p>
-            <a:pPr marR="0" lvl="0" algn="l" defTabSz="914400" rtl="0" eaLnBrk="1" fontAlgn="auto" latinLnBrk="0" hangingPunct="1">
-              <a:lnSpc>
-                <a:spcPct val="100000"/>
-              </a:lnSpc>
-              <a:spcBef>
-                <a:spcPts val="0"/>
-              </a:spcBef>
-              <a:spcAft>
-                <a:spcPts val="0"/>
-              </a:spcAft>
-              <a:buClrTx/>
-              <a:buSzTx/>
-              <a:tabLst/>
+              <a:t>Duplicate keys are not allowed (‘item’ and ‘item’) are the same thing.</a:t>
+            </a:r>
+          </a:p>
+          <a:p>
+            <a:pPr marL="1028700" lvl="1" indent="-571500">
+              <a:buFont typeface="Arial" panose="020B0604020202020204" pitchFamily="34" charset="0"/>
+              <a:buChar char="•"/>
               <a:defRPr/>
             </a:pPr>
             <a:r>
-              <a:rPr kumimoji="0" lang="en-US" sz="3600" b="0" i="0" u="none" strike="noStrike" kern="1200" cap="none" spc="0" normalizeH="0" baseline="0" noProof="0" dirty="0">
+              <a:rPr kumimoji="0" lang="en-US" sz="3400" b="0" i="0" u="none" strike="noStrike" kern="1200" cap="none" spc="0" normalizeH="0" baseline="0" noProof="0" dirty="0">
                 <a:ln>
                   <a:noFill/>
                 </a:ln>
@@ -10116,41 +10726,7 @@
                 <a:ea typeface="+mn-ea"/>
                 <a:cs typeface="+mn-cs"/>
               </a:rPr>
-              <a:t>		print(“Key”, key, “=“, </a:t>
-            </a:r>
-            <a:r>
-              <a:rPr kumimoji="0" lang="en-US" sz="3600" b="0" i="0" u="none" strike="noStrike" kern="1200" cap="none" spc="0" normalizeH="0" baseline="0" noProof="0" dirty="0" err="1">
-                <a:ln>
-                  <a:noFill/>
-                </a:ln>
-                <a:solidFill>
-                  <a:prstClr val="white"/>
-                </a:solidFill>
-                <a:effectLst/>
-                <a:uLnTx/>
-                <a:uFillTx/>
-                <a:latin typeface="Calibri" panose="020F0502020204030204"/>
-                <a:ea typeface="+mn-ea"/>
-                <a:cs typeface="+mn-cs"/>
-              </a:rPr>
-              <a:t>my_dictionary</a:t>
-            </a:r>
-            <a:r>
-              <a:rPr kumimoji="0" lang="en-US" sz="3600" b="0" i="0" u="none" strike="noStrike" kern="1200" cap="none" spc="0" normalizeH="0" baseline="0" noProof="0" dirty="0">
-                <a:ln>
-                  <a:noFill/>
-                </a:ln>
-                <a:solidFill>
-                  <a:prstClr val="white"/>
-                </a:solidFill>
-                <a:effectLst/>
-                <a:uLnTx/>
-                <a:uFillTx/>
-                <a:latin typeface="Calibri" panose="020F0502020204030204"/>
-                <a:ea typeface="+mn-ea"/>
-                <a:cs typeface="+mn-cs"/>
-              </a:rPr>
-              <a:t>[key])</a:t>
+              <a:t>Keys must be immutable (can’t change) so a key cannot be a list or a dictionary, for example. </a:t>
             </a:r>
           </a:p>
         </p:txBody>
@@ -10219,7 +10795,7 @@
           <a:p>
             <a:r>
               <a:rPr lang="en-US" dirty="0"/>
-              <a:t>Dictionaries and Lists </a:t>
+              <a:t>Dictionaries vs Lists - Access </a:t>
             </a:r>
           </a:p>
         </p:txBody>
@@ -10239,7 +10815,7 @@
         <p:spPr>
           <a:xfrm>
             <a:off x="650383" y="1423721"/>
-            <a:ext cx="10524798" cy="5632311"/>
+            <a:ext cx="10524798" cy="4524315"/>
           </a:xfrm>
           <a:prstGeom prst="rect">
             <a:avLst/>
@@ -10258,7 +10834,7 @@
             </a:pPr>
             <a:r>
               <a:rPr lang="en-US" sz="3600" dirty="0"/>
-              <a:t>You iterate a list by index.</a:t>
+              <a:t>You access a list item by index.</a:t>
             </a:r>
           </a:p>
           <a:p>
@@ -10286,23 +10862,25 @@
             </a:pPr>
             <a:r>
               <a:rPr lang="en-US" sz="3600" dirty="0"/>
-              <a:t>Add : </a:t>
+              <a:t>value = </a:t>
             </a:r>
             <a:r>
               <a:rPr lang="en-US" sz="3600" dirty="0" err="1"/>
-              <a:t>my_list.append</a:t>
+              <a:t>my_list</a:t>
             </a:r>
             <a:r>
               <a:rPr lang="en-US" sz="3600" dirty="0"/>
-              <a:t>(</a:t>
-            </a:r>
-            <a:r>
-              <a:rPr lang="en-US" sz="3600" dirty="0" err="1"/>
-              <a:t>new_item</a:t>
-            </a:r>
+              <a:t>[0]</a:t>
+            </a:r>
+          </a:p>
+          <a:p>
+            <a:pPr marL="571500" indent="-571500">
+              <a:buFont typeface="Arial" panose="020B0604020202020204" pitchFamily="34" charset="0"/>
+              <a:buChar char="•"/>
+            </a:pPr>
             <a:r>
               <a:rPr lang="en-US" sz="3600" dirty="0"/>
-              <a:t>)</a:t>
+              <a:t>You access a dictionary by a key.</a:t>
             </a:r>
           </a:p>
           <a:p>
@@ -10312,34 +10890,6 @@
             </a:pPr>
             <a:r>
               <a:rPr lang="en-US" sz="3600" dirty="0"/>
-              <a:t>value = </a:t>
-            </a:r>
-            <a:r>
-              <a:rPr lang="en-US" sz="3600" dirty="0" err="1"/>
-              <a:t>my_list</a:t>
-            </a:r>
-            <a:r>
-              <a:rPr lang="en-US" sz="3600" dirty="0"/>
-              <a:t>[0]</a:t>
-            </a:r>
-          </a:p>
-          <a:p>
-            <a:pPr marL="571500" indent="-571500">
-              <a:buFont typeface="Arial" panose="020B0604020202020204" pitchFamily="34" charset="0"/>
-              <a:buChar char="•"/>
-            </a:pPr>
-            <a:r>
-              <a:rPr lang="en-US" sz="3600" dirty="0"/>
-              <a:t>You iterate a dictionary by a key.</a:t>
-            </a:r>
-          </a:p>
-          <a:p>
-            <a:pPr marL="1028700" lvl="1" indent="-571500">
-              <a:buFont typeface="Arial" panose="020B0604020202020204" pitchFamily="34" charset="0"/>
-              <a:buChar char="•"/>
-            </a:pPr>
-            <a:r>
-              <a:rPr lang="en-US" sz="3600" dirty="0"/>
               <a:t>Creation : </a:t>
             </a:r>
             <a:r>
@@ -10350,37 +10900,6 @@
               <a:rPr lang="en-US" sz="3600" dirty="0"/>
               <a:t> = {}</a:t>
             </a:r>
-          </a:p>
-          <a:p>
-            <a:pPr marL="1028700" lvl="1" indent="-571500">
-              <a:buFont typeface="Arial" panose="020B0604020202020204" pitchFamily="34" charset="0"/>
-              <a:buChar char="•"/>
-            </a:pPr>
-            <a:r>
-              <a:rPr lang="en-US" sz="3600" dirty="0"/>
-              <a:t>Add: </a:t>
-            </a:r>
-            <a:r>
-              <a:rPr lang="en-US" sz="3600" dirty="0" err="1"/>
-              <a:t>my_dict</a:t>
-            </a:r>
-            <a:r>
-              <a:rPr lang="en-US" sz="3600" dirty="0"/>
-              <a:t>[</a:t>
-            </a:r>
-            <a:r>
-              <a:rPr lang="en-US" sz="3600" dirty="0" err="1"/>
-              <a:t>new_key</a:t>
-            </a:r>
-            <a:r>
-              <a:rPr lang="en-US" sz="3600" dirty="0"/>
-              <a:t>] = </a:t>
-            </a:r>
-            <a:r>
-              <a:rPr lang="en-US" sz="3600" dirty="0" err="1"/>
-              <a:t>new_value</a:t>
-            </a:r>
-            <a:endParaRPr lang="en-US" sz="3600" dirty="0"/>
           </a:p>
           <a:p>
             <a:pPr marL="1028700" lvl="1" indent="-571500">
@@ -10480,6 +10999,460 @@
           <a:p>
             <a:r>
               <a:rPr lang="en-US" dirty="0"/>
+              <a:t>Dictionaries vs Lists - Add </a:t>
+            </a:r>
+          </a:p>
+        </p:txBody>
+      </p:sp>
+      <p:sp>
+        <p:nvSpPr>
+          <p:cNvPr id="9" name="TextBox 8">
+            <a:extLst>
+              <a:ext uri="{FF2B5EF4-FFF2-40B4-BE49-F238E27FC236}">
+                <a16:creationId xmlns:a16="http://schemas.microsoft.com/office/drawing/2014/main" id="{2D5738DB-E38B-48AB-BA13-DF4AB7BCB8AB}"/>
+              </a:ext>
+            </a:extLst>
+          </p:cNvPr>
+          <p:cNvSpPr txBox="1"/>
+          <p:nvPr/>
+        </p:nvSpPr>
+        <p:spPr>
+          <a:xfrm>
+            <a:off x="650383" y="1423721"/>
+            <a:ext cx="10524798" cy="4524315"/>
+          </a:xfrm>
+          <a:prstGeom prst="rect">
+            <a:avLst/>
+          </a:prstGeom>
+          <a:noFill/>
+        </p:spPr>
+        <p:txBody>
+          <a:bodyPr wrap="square" rtlCol="0">
+            <a:spAutoFit/>
+          </a:bodyPr>
+          <a:lstStyle/>
+          <a:p>
+            <a:pPr marL="571500" indent="-571500">
+              <a:buFont typeface="Arial" panose="020B0604020202020204" pitchFamily="34" charset="0"/>
+              <a:buChar char="•"/>
+            </a:pPr>
+            <a:r>
+              <a:rPr lang="en-US" sz="3600" dirty="0"/>
+              <a:t>You add to a list by index using append/extend.</a:t>
+            </a:r>
+          </a:p>
+          <a:p>
+            <a:pPr marL="1028700" lvl="1" indent="-571500">
+              <a:buFont typeface="Arial" panose="020B0604020202020204" pitchFamily="34" charset="0"/>
+              <a:buChar char="•"/>
+            </a:pPr>
+            <a:r>
+              <a:rPr lang="en-US" sz="3600" dirty="0"/>
+              <a:t>Creation : </a:t>
+            </a:r>
+            <a:r>
+              <a:rPr lang="en-US" sz="3600" dirty="0" err="1"/>
+              <a:t>my_list</a:t>
+            </a:r>
+            <a:r>
+              <a:rPr lang="en-US" sz="3600" dirty="0"/>
+              <a:t> = []</a:t>
+            </a:r>
+          </a:p>
+          <a:p>
+            <a:pPr marL="1028700" lvl="1" indent="-571500">
+              <a:buFont typeface="Arial" panose="020B0604020202020204" pitchFamily="34" charset="0"/>
+              <a:buChar char="•"/>
+            </a:pPr>
+            <a:r>
+              <a:rPr lang="en-US" sz="3600" dirty="0"/>
+              <a:t>Add : </a:t>
+            </a:r>
+            <a:r>
+              <a:rPr lang="en-US" sz="3600" dirty="0" err="1"/>
+              <a:t>my_list.append</a:t>
+            </a:r>
+            <a:r>
+              <a:rPr lang="en-US" sz="3600" dirty="0"/>
+              <a:t>(</a:t>
+            </a:r>
+            <a:r>
+              <a:rPr lang="en-US" sz="3600" dirty="0" err="1"/>
+              <a:t>new_item</a:t>
+            </a:r>
+            <a:r>
+              <a:rPr lang="en-US" sz="3600" dirty="0"/>
+              <a:t>)</a:t>
+            </a:r>
+          </a:p>
+          <a:p>
+            <a:pPr marL="571500" indent="-571500">
+              <a:buFont typeface="Arial" panose="020B0604020202020204" pitchFamily="34" charset="0"/>
+              <a:buChar char="•"/>
+            </a:pPr>
+            <a:r>
+              <a:rPr lang="en-US" sz="3600" dirty="0"/>
+              <a:t>You add to a dictionary by simply referencing a key.</a:t>
+            </a:r>
+          </a:p>
+          <a:p>
+            <a:pPr marL="1028700" lvl="1" indent="-571500">
+              <a:buFont typeface="Arial" panose="020B0604020202020204" pitchFamily="34" charset="0"/>
+              <a:buChar char="•"/>
+            </a:pPr>
+            <a:r>
+              <a:rPr lang="en-US" sz="3600" dirty="0"/>
+              <a:t>Creation : </a:t>
+            </a:r>
+            <a:r>
+              <a:rPr lang="en-US" sz="3600" dirty="0" err="1"/>
+              <a:t>my_dict</a:t>
+            </a:r>
+            <a:r>
+              <a:rPr lang="en-US" sz="3600" dirty="0"/>
+              <a:t> = {}</a:t>
+            </a:r>
+          </a:p>
+          <a:p>
+            <a:pPr marL="1028700" lvl="1" indent="-571500">
+              <a:buFont typeface="Arial" panose="020B0604020202020204" pitchFamily="34" charset="0"/>
+              <a:buChar char="•"/>
+            </a:pPr>
+            <a:r>
+              <a:rPr lang="en-US" sz="3600" dirty="0"/>
+              <a:t>Add: </a:t>
+            </a:r>
+            <a:r>
+              <a:rPr lang="en-US" sz="3600" dirty="0" err="1"/>
+              <a:t>my_dict</a:t>
+            </a:r>
+            <a:r>
+              <a:rPr lang="en-US" sz="3600" dirty="0"/>
+              <a:t>[</a:t>
+            </a:r>
+            <a:r>
+              <a:rPr lang="en-US" sz="3600" dirty="0" err="1"/>
+              <a:t>new_key</a:t>
+            </a:r>
+            <a:r>
+              <a:rPr lang="en-US" sz="3600" dirty="0"/>
+              <a:t>] = </a:t>
+            </a:r>
+            <a:r>
+              <a:rPr lang="en-US" sz="3600" dirty="0" err="1"/>
+              <a:t>new_value</a:t>
+            </a:r>
+            <a:endParaRPr lang="en-US" sz="3600" dirty="0"/>
+          </a:p>
+          <a:p>
+            <a:pPr marL="571500" indent="-571500">
+              <a:buFont typeface="Arial" panose="020B0604020202020204" pitchFamily="34" charset="0"/>
+              <a:buChar char="•"/>
+            </a:pPr>
+            <a:endParaRPr lang="en-US" sz="3600" dirty="0"/>
+          </a:p>
+          <a:p>
+            <a:pPr marL="571500" indent="-571500">
+              <a:buFont typeface="Arial" panose="020B0604020202020204" pitchFamily="34" charset="0"/>
+              <a:buChar char="•"/>
+            </a:pPr>
+            <a:endParaRPr lang="en-US" sz="3600" dirty="0"/>
+          </a:p>
+        </p:txBody>
+      </p:sp>
+    </p:spTree>
+    <p:extLst>
+      <p:ext uri="{BB962C8B-B14F-4D97-AF65-F5344CB8AC3E}">
+        <p14:creationId xmlns:p14="http://schemas.microsoft.com/office/powerpoint/2010/main" val="2823569440"/>
+      </p:ext>
+    </p:extLst>
+  </p:cSld>
+  <p:clrMapOvr>
+    <a:masterClrMapping/>
+  </p:clrMapOvr>
+  <mc:AlternateContent xmlns:mc="http://schemas.openxmlformats.org/markup-compatibility/2006">
+    <mc:Choice xmlns:p14="http://schemas.microsoft.com/office/powerpoint/2010/main" Requires="p14">
+      <p:transition spd="med" p14:dur="700">
+        <p:fade/>
+      </p:transition>
+    </mc:Choice>
+    <mc:Fallback>
+      <p:transition spd="med">
+        <p:fade/>
+      </p:transition>
+    </mc:Fallback>
+  </mc:AlternateContent>
+</p:sld>
+</file>
+
+<file path=ppt/slides/slide6.xml><?xml version="1.0" encoding="utf-8"?>
+<p:sld xmlns:a="http://schemas.openxmlformats.org/drawingml/2006/main" xmlns:r="http://schemas.openxmlformats.org/officeDocument/2006/relationships" xmlns:p="http://schemas.openxmlformats.org/presentationml/2006/main">
+  <p:cSld>
+    <p:spTree>
+      <p:nvGrpSpPr>
+        <p:cNvPr id="1" name=""/>
+        <p:cNvGrpSpPr/>
+        <p:nvPr/>
+      </p:nvGrpSpPr>
+      <p:grpSpPr>
+        <a:xfrm>
+          <a:off x="0" y="0"/>
+          <a:ext cx="0" cy="0"/>
+          <a:chOff x="0" y="0"/>
+          <a:chExt cx="0" cy="0"/>
+        </a:xfrm>
+      </p:grpSpPr>
+      <p:sp>
+        <p:nvSpPr>
+          <p:cNvPr id="2" name="Title 1"/>
+          <p:cNvSpPr>
+            <a:spLocks noGrp="1"/>
+          </p:cNvSpPr>
+          <p:nvPr>
+            <p:ph type="title"/>
+          </p:nvPr>
+        </p:nvSpPr>
+        <p:spPr>
+          <a:xfrm>
+            <a:off x="116839" y="141072"/>
+            <a:ext cx="11653523" cy="1158793"/>
+          </a:xfrm>
+        </p:spPr>
+        <p:txBody>
+          <a:bodyPr/>
+          <a:lstStyle/>
+          <a:p>
+            <a:r>
+              <a:rPr lang="en-US" dirty="0"/>
+              <a:t>Dictionaries vs Lists - Iterate</a:t>
+            </a:r>
+          </a:p>
+        </p:txBody>
+      </p:sp>
+      <p:sp>
+        <p:nvSpPr>
+          <p:cNvPr id="9" name="TextBox 8">
+            <a:extLst>
+              <a:ext uri="{FF2B5EF4-FFF2-40B4-BE49-F238E27FC236}">
+                <a16:creationId xmlns:a16="http://schemas.microsoft.com/office/drawing/2014/main" id="{2D5738DB-E38B-48AB-BA13-DF4AB7BCB8AB}"/>
+              </a:ext>
+            </a:extLst>
+          </p:cNvPr>
+          <p:cNvSpPr txBox="1"/>
+          <p:nvPr/>
+        </p:nvSpPr>
+        <p:spPr>
+          <a:xfrm>
+            <a:off x="650383" y="1423721"/>
+            <a:ext cx="10524798" cy="5632311"/>
+          </a:xfrm>
+          <a:prstGeom prst="rect">
+            <a:avLst/>
+          </a:prstGeom>
+          <a:noFill/>
+        </p:spPr>
+        <p:txBody>
+          <a:bodyPr wrap="square" rtlCol="0">
+            <a:spAutoFit/>
+          </a:bodyPr>
+          <a:lstStyle/>
+          <a:p>
+            <a:pPr marL="571500" indent="-571500">
+              <a:buFont typeface="Arial" panose="020B0604020202020204" pitchFamily="34" charset="0"/>
+              <a:buChar char="•"/>
+            </a:pPr>
+            <a:r>
+              <a:rPr lang="en-US" sz="3600" dirty="0"/>
+              <a:t>You iterate the contents of a list using indexes:</a:t>
+            </a:r>
+          </a:p>
+          <a:p>
+            <a:pPr lvl="1"/>
+            <a:r>
+              <a:rPr lang="en-US" sz="3600" dirty="0"/>
+              <a:t>	for index in range(</a:t>
+            </a:r>
+            <a:r>
+              <a:rPr lang="en-US" sz="3600" dirty="0" err="1"/>
+              <a:t>my_list</a:t>
+            </a:r>
+            <a:r>
+              <a:rPr lang="en-US" sz="3600" dirty="0"/>
+              <a:t>):</a:t>
+            </a:r>
+          </a:p>
+          <a:p>
+            <a:pPr lvl="1"/>
+            <a:r>
+              <a:rPr lang="en-US" sz="3600" dirty="0"/>
+              <a:t>		print(</a:t>
+            </a:r>
+            <a:r>
+              <a:rPr lang="en-US" sz="3600" dirty="0" err="1"/>
+              <a:t>my_list</a:t>
+            </a:r>
+            <a:r>
+              <a:rPr lang="en-US" sz="3600"/>
+              <a:t>[index])</a:t>
+            </a:r>
+          </a:p>
+          <a:p>
+            <a:pPr lvl="1"/>
+            <a:endParaRPr lang="en-US" sz="3600" dirty="0"/>
+          </a:p>
+          <a:p>
+            <a:pPr marL="571500" lvl="0" indent="-571500">
+              <a:buFont typeface="Arial" panose="020B0604020202020204" pitchFamily="34" charset="0"/>
+              <a:buChar char="•"/>
+              <a:defRPr/>
+            </a:pPr>
+            <a:r>
+              <a:rPr lang="en-US" sz="3600" dirty="0">
+                <a:solidFill>
+                  <a:prstClr val="white"/>
+                </a:solidFill>
+              </a:rPr>
+              <a:t>You iterate the contents of a dictionary using the keys:</a:t>
+            </a:r>
+          </a:p>
+          <a:p>
+            <a:pPr lvl="0">
+              <a:defRPr/>
+            </a:pPr>
+            <a:r>
+              <a:rPr lang="en-US" sz="3600" dirty="0">
+                <a:solidFill>
+                  <a:prstClr val="white"/>
+                </a:solidFill>
+              </a:rPr>
+              <a:t>	for key in </a:t>
+            </a:r>
+            <a:r>
+              <a:rPr lang="en-US" sz="3600" dirty="0" err="1">
+                <a:solidFill>
+                  <a:prstClr val="white"/>
+                </a:solidFill>
+              </a:rPr>
+              <a:t>my_dictionary.keys</a:t>
+            </a:r>
+            <a:r>
+              <a:rPr lang="en-US" sz="3600" dirty="0">
+                <a:solidFill>
+                  <a:prstClr val="white"/>
+                </a:solidFill>
+              </a:rPr>
+              <a:t>():</a:t>
+            </a:r>
+          </a:p>
+          <a:p>
+            <a:pPr lvl="0">
+              <a:defRPr/>
+            </a:pPr>
+            <a:r>
+              <a:rPr lang="en-US" sz="3600" dirty="0">
+                <a:solidFill>
+                  <a:prstClr val="white"/>
+                </a:solidFill>
+              </a:rPr>
+              <a:t>		print(“Key”, key, “=“, </a:t>
+            </a:r>
+            <a:r>
+              <a:rPr lang="en-US" sz="3600" dirty="0" err="1">
+                <a:solidFill>
+                  <a:prstClr val="white"/>
+                </a:solidFill>
+              </a:rPr>
+              <a:t>my_dictionary</a:t>
+            </a:r>
+            <a:r>
+              <a:rPr lang="en-US" sz="3600" dirty="0">
+                <a:solidFill>
+                  <a:prstClr val="white"/>
+                </a:solidFill>
+              </a:rPr>
+              <a:t>[key])</a:t>
+            </a:r>
+          </a:p>
+          <a:p>
+            <a:pPr marL="571500" indent="-571500">
+              <a:buFont typeface="Arial" panose="020B0604020202020204" pitchFamily="34" charset="0"/>
+              <a:buChar char="•"/>
+            </a:pPr>
+            <a:endParaRPr lang="en-US" sz="3600" dirty="0"/>
+          </a:p>
+          <a:p>
+            <a:pPr marL="571500" indent="-571500">
+              <a:buFont typeface="Arial" panose="020B0604020202020204" pitchFamily="34" charset="0"/>
+              <a:buChar char="•"/>
+            </a:pPr>
+            <a:endParaRPr lang="en-US" sz="3600" dirty="0"/>
+          </a:p>
+        </p:txBody>
+      </p:sp>
+    </p:spTree>
+    <p:extLst>
+      <p:ext uri="{BB962C8B-B14F-4D97-AF65-F5344CB8AC3E}">
+        <p14:creationId xmlns:p14="http://schemas.microsoft.com/office/powerpoint/2010/main" val="195514108"/>
+      </p:ext>
+    </p:extLst>
+  </p:cSld>
+  <p:clrMapOvr>
+    <a:masterClrMapping/>
+  </p:clrMapOvr>
+  <mc:AlternateContent xmlns:mc="http://schemas.openxmlformats.org/markup-compatibility/2006">
+    <mc:Choice xmlns:p14="http://schemas.microsoft.com/office/powerpoint/2010/main" Requires="p14">
+      <p:transition spd="med" p14:dur="700">
+        <p:fade/>
+      </p:transition>
+    </mc:Choice>
+    <mc:Fallback>
+      <p:transition spd="med">
+        <p:fade/>
+      </p:transition>
+    </mc:Fallback>
+  </mc:AlternateContent>
+</p:sld>
+</file>
+
+<file path=ppt/slides/slide7.xml><?xml version="1.0" encoding="utf-8"?>
+<p:sld xmlns:a="http://schemas.openxmlformats.org/drawingml/2006/main" xmlns:r="http://schemas.openxmlformats.org/officeDocument/2006/relationships" xmlns:p="http://schemas.openxmlformats.org/presentationml/2006/main">
+  <p:cSld>
+    <p:spTree>
+      <p:nvGrpSpPr>
+        <p:cNvPr id="1" name=""/>
+        <p:cNvGrpSpPr/>
+        <p:nvPr/>
+      </p:nvGrpSpPr>
+      <p:grpSpPr>
+        <a:xfrm>
+          <a:off x="0" y="0"/>
+          <a:ext cx="0" cy="0"/>
+          <a:chOff x="0" y="0"/>
+          <a:chExt cx="0" cy="0"/>
+        </a:xfrm>
+      </p:grpSpPr>
+      <p:sp>
+        <p:nvSpPr>
+          <p:cNvPr id="2" name="Title 1"/>
+          <p:cNvSpPr>
+            <a:spLocks noGrp="1"/>
+          </p:cNvSpPr>
+          <p:nvPr>
+            <p:ph type="title"/>
+          </p:nvPr>
+        </p:nvSpPr>
+        <p:spPr>
+          <a:xfrm>
+            <a:off x="116839" y="141072"/>
+            <a:ext cx="11653523" cy="1158793"/>
+          </a:xfrm>
+        </p:spPr>
+        <p:txBody>
+          <a:bodyPr/>
+          <a:lstStyle/>
+          <a:p>
+            <a:r>
+              <a:rPr lang="en-US" dirty="0"/>
               <a:t>Dictionary Help</a:t>
             </a:r>
           </a:p>
@@ -10640,31 +11613,7 @@
                   </a:extLst>
                 </a:hlinkClick>
               </a:rPr>
-              <a:t>https://github.com/grecoe/teals</a:t>
-            </a:r>
-            <a:r>
-              <a:rPr lang="en-US" sz="2400" dirty="0">
-                <a:hlinkClick r:id="rId4">
-                  <a:extLst>
-                    <a:ext uri="{A12FA001-AC4F-418D-AE19-62706E023703}">
-                      <ahyp:hlinkClr xmlns:ahyp="http://schemas.microsoft.com/office/drawing/2018/hyperlinkcolor" val="tx"/>
-                    </a:ext>
-                  </a:extLst>
-                </a:hlinkClick>
-              </a:rPr>
-              <a:t>/blob/master</a:t>
-            </a:r>
-            <a:r>
-              <a:rPr lang="en-US" sz="2400" dirty="0">
-                <a:hlinkClick r:id="rId4">
-                  <a:extLst>
-                    <a:ext uri="{A12FA001-AC4F-418D-AE19-62706E023703}">
-                      <ahyp:hlinkClr xmlns:ahyp="http://schemas.microsoft.com/office/drawing/2018/hyperlinkcolor" val="tx"/>
-                    </a:ext>
-                  </a:extLst>
-                </a:hlinkClick>
-              </a:rPr>
-              <a:t>/1_practice/dictionary_practice.py</a:t>
+              <a:t>https://github.com/grecoe/teals/blob/master/1_practice/dictionary_practice.py</a:t>
             </a:r>
             <a:endParaRPr kumimoji="0" lang="en-US" sz="2400" b="0" i="0" u="none" strike="noStrike" kern="1200" cap="none" spc="0" normalizeH="0" baseline="0" noProof="0" dirty="0">
               <a:ln>
@@ -10703,7 +11652,7 @@
 </p:sld>
 </file>
 
-<file path=ppt/slides/slide6.xml><?xml version="1.0" encoding="utf-8"?>
+<file path=ppt/slides/slide8.xml><?xml version="1.0" encoding="utf-8"?>
 <p:sld xmlns:a="http://schemas.openxmlformats.org/drawingml/2006/main" xmlns:r="http://schemas.openxmlformats.org/officeDocument/2006/relationships" xmlns:p="http://schemas.openxmlformats.org/presentationml/2006/main">
   <p:cSld>
     <p:spTree>

--- a/5_presentations/Dictionaries.pptx
+++ b/5_presentations/Dictionaries.pptx
@@ -11,10 +11,10 @@
   <p:sldIdLst>
     <p:sldId id="256" r:id="rId3"/>
     <p:sldId id="1574" r:id="rId4"/>
-    <p:sldId id="1623" r:id="rId5"/>
+    <p:sldId id="1627" r:id="rId5"/>
     <p:sldId id="1575" r:id="rId6"/>
-    <p:sldId id="1625" r:id="rId7"/>
-    <p:sldId id="1626" r:id="rId8"/>
+    <p:sldId id="1626" r:id="rId7"/>
+    <p:sldId id="1628" r:id="rId8"/>
     <p:sldId id="1624" r:id="rId9"/>
     <p:sldId id="1622" r:id="rId10"/>
   </p:sldIdLst>
@@ -205,7 +205,7 @@
           <a:p>
             <a:fld id="{354D3AFA-F451-444D-BAEC-38D955773079}" type="datetimeFigureOut">
               <a:rPr lang="en-US" smtClean="0"/>
-              <a:t>3/7/2020</a:t>
+              <a:t>3/6/2021</a:t>
             </a:fld>
             <a:endParaRPr lang="en-US"/>
           </a:p>
@@ -715,7 +715,7 @@
                 <a:tabLst/>
                 <a:defRPr/>
               </a:pPr>
-              <a:t>3/7/2020 10:24 AM</a:t>
+              <a:t>3/6/2021 10:28 AM</a:t>
             </a:fld>
             <a:endParaRPr kumimoji="0" lang="en-US" sz="1200" b="0" i="0" u="none" strike="noStrike" kern="1200" cap="none" spc="0" normalizeH="0" baseline="0" noProof="0" dirty="0">
               <a:ln>
@@ -1073,7 +1073,7 @@
                 <a:tabLst/>
                 <a:defRPr/>
               </a:pPr>
-              <a:t>3/7/2020 10:24 AM</a:t>
+              <a:t>3/6/2021 10:32 AM</a:t>
             </a:fld>
             <a:endParaRPr kumimoji="0" lang="en-US" sz="1200" b="0" i="0" u="none" strike="noStrike" kern="1200" cap="none" spc="0" normalizeH="0" baseline="0" noProof="0" dirty="0">
               <a:ln>
@@ -1178,7 +1178,7 @@
     </p:spTree>
     <p:extLst>
       <p:ext uri="{BB962C8B-B14F-4D97-AF65-F5344CB8AC3E}">
-        <p14:creationId xmlns:p14="http://schemas.microsoft.com/office/powerpoint/2010/main" val="4215662361"/>
+        <p14:creationId xmlns:p14="http://schemas.microsoft.com/office/powerpoint/2010/main" val="4181538133"/>
       </p:ext>
     </p:extLst>
   </p:cSld>
@@ -1431,7 +1431,7 @@
                 <a:tabLst/>
                 <a:defRPr/>
               </a:pPr>
-              <a:t>3/7/2020 10:24 AM</a:t>
+              <a:t>3/6/2021 10:39 AM</a:t>
             </a:fld>
             <a:endParaRPr kumimoji="0" lang="en-US" sz="1200" b="0" i="0" u="none" strike="noStrike" kern="1200" cap="none" spc="0" normalizeH="0" baseline="0" noProof="0" dirty="0">
               <a:ln>
@@ -1789,7 +1789,7 @@
                 <a:tabLst/>
                 <a:defRPr/>
               </a:pPr>
-              <a:t>3/7/2020 10:25 AM</a:t>
+              <a:t>3/6/2021 10:28 AM</a:t>
             </a:fld>
             <a:endParaRPr kumimoji="0" lang="en-US" sz="1200" b="0" i="0" u="none" strike="noStrike" kern="1200" cap="none" spc="0" normalizeH="0" baseline="0" noProof="0" dirty="0">
               <a:ln>
@@ -2147,7 +2147,7 @@
                 <a:tabLst/>
                 <a:defRPr/>
               </a:pPr>
-              <a:t>3/7/2020 10:31 AM</a:t>
+              <a:t>3/6/2021 10:46 AM</a:t>
             </a:fld>
             <a:endParaRPr kumimoji="0" lang="en-US" sz="1200" b="0" i="0" u="none" strike="noStrike" kern="1200" cap="none" spc="0" normalizeH="0" baseline="0" noProof="0" dirty="0">
               <a:ln>
@@ -2252,7 +2252,7 @@
     </p:spTree>
     <p:extLst>
       <p:ext uri="{BB962C8B-B14F-4D97-AF65-F5344CB8AC3E}">
-        <p14:creationId xmlns:p14="http://schemas.microsoft.com/office/powerpoint/2010/main" val="529550923"/>
+        <p14:creationId xmlns:p14="http://schemas.microsoft.com/office/powerpoint/2010/main" val="919958282"/>
       </p:ext>
     </p:extLst>
   </p:cSld>
@@ -2505,7 +2505,7 @@
                 <a:tabLst/>
                 <a:defRPr/>
               </a:pPr>
-              <a:t>3/7/2020 10:24 AM</a:t>
+              <a:t>3/6/2021 10:28 AM</a:t>
             </a:fld>
             <a:endParaRPr kumimoji="0" lang="en-US" sz="1200" b="0" i="0" u="none" strike="noStrike" kern="1200" cap="none" spc="0" normalizeH="0" baseline="0" noProof="0" dirty="0">
               <a:ln>
@@ -2796,7 +2796,7 @@
                 <a:tabLst/>
                 <a:defRPr/>
               </a:pPr>
-              <a:t>3/7/2020 10:24 AM</a:t>
+              <a:t>3/6/2021 10:28 AM</a:t>
             </a:fld>
             <a:endParaRPr kumimoji="0" lang="en-US" sz="1200" b="0" i="0" u="none" strike="noStrike" kern="1200" cap="none" spc="0" normalizeH="0" baseline="0" noProof="0" dirty="0">
               <a:ln>
@@ -3140,7 +3140,7 @@
           <a:p>
             <a:fld id="{DFA8C626-DCFC-44B9-B53F-E89648D7BB7E}" type="datetimeFigureOut">
               <a:rPr lang="en-US" smtClean="0"/>
-              <a:t>3/7/2020</a:t>
+              <a:t>3/6/2021</a:t>
             </a:fld>
             <a:endParaRPr lang="en-US"/>
           </a:p>
@@ -3338,7 +3338,7 @@
           <a:p>
             <a:fld id="{DFA8C626-DCFC-44B9-B53F-E89648D7BB7E}" type="datetimeFigureOut">
               <a:rPr lang="en-US" smtClean="0"/>
-              <a:t>3/7/2020</a:t>
+              <a:t>3/6/2021</a:t>
             </a:fld>
             <a:endParaRPr lang="en-US"/>
           </a:p>
@@ -3546,7 +3546,7 @@
           <a:p>
             <a:fld id="{DFA8C626-DCFC-44B9-B53F-E89648D7BB7E}" type="datetimeFigureOut">
               <a:rPr lang="en-US" smtClean="0"/>
-              <a:t>3/7/2020</a:t>
+              <a:t>3/6/2021</a:t>
             </a:fld>
             <a:endParaRPr lang="en-US"/>
           </a:p>
@@ -5559,7 +5559,7 @@
           <a:p>
             <a:fld id="{DFA8C626-DCFC-44B9-B53F-E89648D7BB7E}" type="datetimeFigureOut">
               <a:rPr lang="en-US" smtClean="0"/>
-              <a:t>3/7/2020</a:t>
+              <a:t>3/6/2021</a:t>
             </a:fld>
             <a:endParaRPr lang="en-US"/>
           </a:p>
@@ -7277,7 +7277,7 @@
           <a:p>
             <a:fld id="{DFA8C626-DCFC-44B9-B53F-E89648D7BB7E}" type="datetimeFigureOut">
               <a:rPr lang="en-US" smtClean="0"/>
-              <a:t>3/7/2020</a:t>
+              <a:t>3/6/2021</a:t>
             </a:fld>
             <a:endParaRPr lang="en-US"/>
           </a:p>
@@ -7542,7 +7542,7 @@
           <a:p>
             <a:fld id="{DFA8C626-DCFC-44B9-B53F-E89648D7BB7E}" type="datetimeFigureOut">
               <a:rPr lang="en-US" smtClean="0"/>
-              <a:t>3/7/2020</a:t>
+              <a:t>3/6/2021</a:t>
             </a:fld>
             <a:endParaRPr lang="en-US"/>
           </a:p>
@@ -7954,7 +7954,7 @@
           <a:p>
             <a:fld id="{DFA8C626-DCFC-44B9-B53F-E89648D7BB7E}" type="datetimeFigureOut">
               <a:rPr lang="en-US" smtClean="0"/>
-              <a:t>3/7/2020</a:t>
+              <a:t>3/6/2021</a:t>
             </a:fld>
             <a:endParaRPr lang="en-US"/>
           </a:p>
@@ -8095,7 +8095,7 @@
           <a:p>
             <a:fld id="{DFA8C626-DCFC-44B9-B53F-E89648D7BB7E}" type="datetimeFigureOut">
               <a:rPr lang="en-US" smtClean="0"/>
-              <a:t>3/7/2020</a:t>
+              <a:t>3/6/2021</a:t>
             </a:fld>
             <a:endParaRPr lang="en-US"/>
           </a:p>
@@ -8208,7 +8208,7 @@
           <a:p>
             <a:fld id="{DFA8C626-DCFC-44B9-B53F-E89648D7BB7E}" type="datetimeFigureOut">
               <a:rPr lang="en-US" smtClean="0"/>
-              <a:t>3/7/2020</a:t>
+              <a:t>3/6/2021</a:t>
             </a:fld>
             <a:endParaRPr lang="en-US"/>
           </a:p>
@@ -8519,7 +8519,7 @@
           <a:p>
             <a:fld id="{DFA8C626-DCFC-44B9-B53F-E89648D7BB7E}" type="datetimeFigureOut">
               <a:rPr lang="en-US" smtClean="0"/>
-              <a:t>3/7/2020</a:t>
+              <a:t>3/6/2021</a:t>
             </a:fld>
             <a:endParaRPr lang="en-US"/>
           </a:p>
@@ -8807,7 +8807,7 @@
           <a:p>
             <a:fld id="{DFA8C626-DCFC-44B9-B53F-E89648D7BB7E}" type="datetimeFigureOut">
               <a:rPr lang="en-US" smtClean="0"/>
-              <a:t>3/7/2020</a:t>
+              <a:t>3/6/2021</a:t>
             </a:fld>
             <a:endParaRPr lang="en-US"/>
           </a:p>
@@ -9048,7 +9048,7 @@
           <a:p>
             <a:fld id="{DFA8C626-DCFC-44B9-B53F-E89648D7BB7E}" type="datetimeFigureOut">
               <a:rPr lang="en-US" smtClean="0"/>
-              <a:t>3/7/2020</a:t>
+              <a:t>3/6/2021</a:t>
             </a:fld>
             <a:endParaRPr lang="en-US"/>
           </a:p>
@@ -10366,15 +10366,7 @@
             </a:pPr>
             <a:r>
               <a:rPr lang="en-US" sz="3600" dirty="0"/>
-              <a:t>A dictionary is another </a:t>
-            </a:r>
-            <a:r>
-              <a:rPr lang="en-US" sz="3600" dirty="0" err="1"/>
-              <a:t>iterable</a:t>
-            </a:r>
-            <a:r>
-              <a:rPr lang="en-US" sz="3600" dirty="0"/>
-              <a:t> type, like a list. </a:t>
+              <a:t>A dictionary is an unordered collection of values that are stored in key value format.</a:t>
             </a:r>
           </a:p>
           <a:p>
@@ -10384,55 +10376,59 @@
             </a:pPr>
             <a:r>
               <a:rPr lang="en-US" sz="3600" dirty="0"/>
-              <a:t>A dictionary stores items using a key and not an index, like a list does. </a:t>
-            </a:r>
-          </a:p>
-          <a:p>
-            <a:pPr marL="571500" indent="-571500">
+              <a:t>A dictionary “key” must be an immutable type (String, Int, Float, Tuple, </a:t>
+            </a:r>
+            <a:r>
+              <a:rPr lang="en-US" sz="3600" dirty="0" err="1"/>
+              <a:t>etc</a:t>
+            </a:r>
+            <a:r>
+              <a:rPr lang="en-US" sz="3600" dirty="0"/>
+              <a:t>) but values can be ANY valid Python object.</a:t>
+            </a:r>
+          </a:p>
+          <a:p>
+            <a:pPr marL="1028700" lvl="1" indent="-571500">
               <a:buFont typeface="Arial" panose="020B0604020202020204" pitchFamily="34" charset="0"/>
               <a:buChar char="•"/>
             </a:pPr>
             <a:r>
               <a:rPr lang="en-US" sz="3600" dirty="0"/>
-              <a:t>Visual Representation:</a:t>
-            </a:r>
-          </a:p>
-          <a:p>
+              <a:t>List</a:t>
+            </a:r>
+          </a:p>
+          <a:p>
+            <a:pPr marL="1028700" lvl="1" indent="-571500">
+              <a:buFont typeface="Arial" panose="020B0604020202020204" pitchFamily="34" charset="0"/>
+              <a:buChar char="•"/>
+            </a:pPr>
             <a:r>
               <a:rPr lang="en-US" sz="3600" dirty="0"/>
-              <a:t>	{</a:t>
-            </a:r>
-          </a:p>
-          <a:p>
+              <a:t>Dictionary</a:t>
+            </a:r>
+          </a:p>
+          <a:p>
+            <a:pPr marL="1028700" lvl="1" indent="-571500">
+              <a:buFont typeface="Arial" panose="020B0604020202020204" pitchFamily="34" charset="0"/>
+              <a:buChar char="•"/>
+            </a:pPr>
             <a:r>
               <a:rPr lang="en-US" sz="3600" dirty="0"/>
-              <a:t>		‘key1’ : value_1,</a:t>
-            </a:r>
-          </a:p>
-          <a:p>
-            <a:r>
-              <a:rPr lang="en-US" sz="3600" dirty="0"/>
-              <a:t>		‘key2’ : value_2</a:t>
-            </a:r>
-          </a:p>
-          <a:p>
-            <a:r>
-              <a:rPr lang="en-US" sz="3600" dirty="0"/>
-              <a:t>		</a:t>
-            </a:r>
+              <a:t>Function</a:t>
+            </a:r>
+          </a:p>
+          <a:p>
+            <a:pPr marL="1028700" lvl="1" indent="-571500">
+              <a:buFont typeface="Arial" panose="020B0604020202020204" pitchFamily="34" charset="0"/>
+              <a:buChar char="•"/>
+            </a:pPr>
             <a:r>
               <a:rPr lang="en-US" sz="3600" dirty="0" err="1"/>
-              <a:t>etc</a:t>
+              <a:t>Etc</a:t>
             </a:r>
             <a:r>
               <a:rPr lang="en-US" sz="3600" dirty="0"/>
               <a:t>…</a:t>
-            </a:r>
-          </a:p>
-          <a:p>
-            <a:r>
-              <a:rPr lang="en-US" sz="3600" dirty="0"/>
-              <a:t>	}</a:t>
             </a:r>
           </a:p>
         </p:txBody>
@@ -10520,8 +10516,8 @@
         </p:nvSpPr>
         <p:spPr>
           <a:xfrm>
-            <a:off x="624625" y="1423721"/>
-            <a:ext cx="10550556" cy="5324535"/>
+            <a:off x="631065" y="1423721"/>
+            <a:ext cx="10544116" cy="2308324"/>
           </a:xfrm>
           <a:prstGeom prst="rect">
             <a:avLst/>
@@ -10552,7 +10548,7 @@
               <a:defRPr/>
             </a:pPr>
             <a:r>
-              <a:rPr kumimoji="0" lang="en-US" sz="3400" b="0" i="0" u="none" strike="noStrike" kern="1200" cap="none" spc="0" normalizeH="0" baseline="0" noProof="0" dirty="0">
+              <a:rPr kumimoji="0" lang="en-US" sz="3600" b="0" i="0" u="none" strike="noStrike" kern="1200" cap="none" spc="0" normalizeH="0" baseline="0" noProof="0" dirty="0">
                 <a:ln>
                   <a:noFill/>
                 </a:ln>
@@ -10566,91 +10562,16 @@
                 <a:ea typeface="+mn-ea"/>
                 <a:cs typeface="+mn-cs"/>
               </a:rPr>
-              <a:t>A dictionary has two main access points to the content in it:</a:t>
-            </a:r>
-          </a:p>
-          <a:p>
-            <a:pPr lvl="1"/>
-            <a:r>
-              <a:rPr lang="en-US" sz="3400" dirty="0">
+              <a:t>Keys in a dictionary are unique, you cannot add the same key twice, doing so simply overwrites the </a:t>
+            </a:r>
+            <a:r>
+              <a:rPr lang="en-US" sz="3600" dirty="0">
                 <a:solidFill>
                   <a:prstClr val="white"/>
                 </a:solidFill>
                 <a:latin typeface="Calibri" panose="020F0502020204030204"/>
               </a:rPr>
-              <a:t>		keys() -&gt; </a:t>
-            </a:r>
-            <a:r>
-              <a:rPr lang="en-US" sz="3400" dirty="0" err="1">
-                <a:solidFill>
-                  <a:prstClr val="white"/>
-                </a:solidFill>
-                <a:latin typeface="Calibri" panose="020F0502020204030204"/>
-              </a:rPr>
-              <a:t>Iterable</a:t>
-            </a:r>
-            <a:r>
-              <a:rPr lang="en-US" sz="3400" dirty="0">
-                <a:solidFill>
-                  <a:prstClr val="white"/>
-                </a:solidFill>
-                <a:latin typeface="Calibri" panose="020F0502020204030204"/>
-              </a:rPr>
-              <a:t> on available keys</a:t>
-            </a:r>
-          </a:p>
-          <a:p>
-            <a:pPr lvl="1"/>
-            <a:r>
-              <a:rPr kumimoji="0" lang="en-US" sz="3400" b="0" i="0" u="none" strike="noStrike" kern="1200" cap="none" spc="0" normalizeH="0" baseline="0" noProof="0" dirty="0">
-                <a:ln>
-                  <a:noFill/>
-                </a:ln>
-                <a:solidFill>
-                  <a:prstClr val="white"/>
-                </a:solidFill>
-                <a:effectLst/>
-                <a:uLnTx/>
-                <a:uFillTx/>
-                <a:latin typeface="Calibri" panose="020F0502020204030204"/>
-                <a:ea typeface="+mn-ea"/>
-                <a:cs typeface="+mn-cs"/>
-              </a:rPr>
-              <a:t>		values() -&gt; </a:t>
-            </a:r>
-            <a:r>
-              <a:rPr kumimoji="0" lang="en-US" sz="3400" b="0" i="0" u="none" strike="noStrike" kern="1200" cap="none" spc="0" normalizeH="0" baseline="0" noProof="0" dirty="0" err="1">
-                <a:ln>
-                  <a:noFill/>
-                </a:ln>
-                <a:solidFill>
-                  <a:prstClr val="white"/>
-                </a:solidFill>
-                <a:effectLst/>
-                <a:uLnTx/>
-                <a:uFillTx/>
-                <a:latin typeface="Calibri" panose="020F0502020204030204"/>
-                <a:ea typeface="+mn-ea"/>
-                <a:cs typeface="+mn-cs"/>
-              </a:rPr>
-              <a:t>Iterable</a:t>
-            </a:r>
-            <a:r>
-              <a:rPr kumimoji="0" lang="en-US" sz="3400" b="0" i="0" u="none" strike="noStrike" kern="1200" cap="none" spc="0" normalizeH="0" baseline="0" noProof="0" dirty="0">
-                <a:ln>
-                  <a:noFill/>
-                </a:ln>
-                <a:solidFill>
-                  <a:prstClr val="white"/>
-                </a:solidFill>
-                <a:effectLst/>
-                <a:uLnTx/>
-                <a:uFillTx/>
-                <a:latin typeface="Calibri" panose="020F0502020204030204"/>
-                <a:ea typeface="+mn-ea"/>
-                <a:cs typeface="+mn-cs"/>
-              </a:rPr>
-              <a:t> on available data </a:t>
+              <a:t>value that was already there.</a:t>
             </a:r>
           </a:p>
           <a:p>
@@ -10672,7 +10593,7 @@
               <a:defRPr/>
             </a:pPr>
             <a:r>
-              <a:rPr kumimoji="0" lang="en-US" sz="3400" b="0" i="0" u="none" strike="noStrike" kern="1200" cap="none" spc="0" normalizeH="0" baseline="0" noProof="0" dirty="0">
+              <a:rPr kumimoji="0" lang="en-US" sz="3600" b="0" i="0" u="none" strike="noStrike" kern="1200" cap="none" spc="0" normalizeH="0" baseline="0" noProof="0" dirty="0">
                 <a:ln>
                   <a:noFill/>
                 </a:ln>
@@ -10686,55 +10607,45 @@
                 <a:ea typeface="+mn-ea"/>
                 <a:cs typeface="+mn-cs"/>
               </a:rPr>
-              <a:t>Keys can be many different types. Strings, integers, functions, but there are a few rules:</a:t>
-            </a:r>
-          </a:p>
-          <a:p>
-            <a:pPr marL="1028700" lvl="1" indent="-571500">
-              <a:buFont typeface="Arial" panose="020B0604020202020204" pitchFamily="34" charset="0"/>
-              <a:buChar char="•"/>
-              <a:defRPr/>
-            </a:pPr>
-            <a:r>
-              <a:rPr lang="en-US" sz="3400" dirty="0">
-                <a:solidFill>
-                  <a:prstClr val="white"/>
-                </a:solidFill>
-                <a:latin typeface="Calibri" panose="020F0502020204030204"/>
-              </a:rPr>
-              <a:t>Duplicate keys are not allowed (‘item’ and ‘item’) are the same thing.</a:t>
-            </a:r>
-          </a:p>
-          <a:p>
-            <a:pPr marL="1028700" lvl="1" indent="-571500">
-              <a:buFont typeface="Arial" panose="020B0604020202020204" pitchFamily="34" charset="0"/>
-              <a:buChar char="•"/>
-              <a:defRPr/>
-            </a:pPr>
-            <a:r>
-              <a:rPr kumimoji="0" lang="en-US" sz="3400" b="0" i="0" u="none" strike="noStrike" kern="1200" cap="none" spc="0" normalizeH="0" baseline="0" noProof="0" dirty="0">
-                <a:ln>
-                  <a:noFill/>
-                </a:ln>
-                <a:solidFill>
-                  <a:prstClr val="white"/>
-                </a:solidFill>
-                <a:effectLst/>
-                <a:uLnTx/>
-                <a:uFillTx/>
-                <a:latin typeface="Calibri" panose="020F0502020204030204"/>
-                <a:ea typeface="+mn-ea"/>
-                <a:cs typeface="+mn-cs"/>
-              </a:rPr>
-              <a:t>Keys must be immutable (can’t change) so a key cannot be a list or a dictionary, for example. </a:t>
-            </a:r>
-          </a:p>
-        </p:txBody>
-      </p:sp>
+              <a:t>You declare a dictionary using curly braces.</a:t>
+            </a:r>
+          </a:p>
+        </p:txBody>
+      </p:sp>
+      <p:pic>
+        <p:nvPicPr>
+          <p:cNvPr id="4" name="Picture 3">
+            <a:extLst>
+              <a:ext uri="{FF2B5EF4-FFF2-40B4-BE49-F238E27FC236}">
+                <a16:creationId xmlns:a16="http://schemas.microsoft.com/office/drawing/2014/main" id="{8D05209B-8753-4586-943E-087A857074B4}"/>
+              </a:ext>
+            </a:extLst>
+          </p:cNvPr>
+          <p:cNvPicPr>
+            <a:picLocks noChangeAspect="1"/>
+          </p:cNvPicPr>
+          <p:nvPr/>
+        </p:nvPicPr>
+        <p:blipFill>
+          <a:blip r:embed="rId3"/>
+          <a:stretch>
+            <a:fillRect/>
+          </a:stretch>
+        </p:blipFill>
+        <p:spPr>
+          <a:xfrm>
+            <a:off x="2411925" y="4016425"/>
+            <a:ext cx="6122551" cy="1417854"/>
+          </a:xfrm>
+          <a:prstGeom prst="rect">
+            <a:avLst/>
+          </a:prstGeom>
+        </p:spPr>
+      </p:pic>
     </p:spTree>
     <p:extLst>
       <p:ext uri="{BB962C8B-B14F-4D97-AF65-F5344CB8AC3E}">
-        <p14:creationId xmlns:p14="http://schemas.microsoft.com/office/powerpoint/2010/main" val="19853684"/>
+        <p14:creationId xmlns:p14="http://schemas.microsoft.com/office/powerpoint/2010/main" val="324804919"/>
       </p:ext>
     </p:extLst>
   </p:cSld>
@@ -10795,7 +10706,7 @@
           <a:p>
             <a:r>
               <a:rPr lang="en-US" dirty="0"/>
-              <a:t>Dictionaries vs Lists - Access </a:t>
+              <a:t>Initializing a dictionary:</a:t>
             </a:r>
           </a:p>
         </p:txBody>
@@ -10815,7 +10726,7 @@
         <p:spPr>
           <a:xfrm>
             <a:off x="650383" y="1423721"/>
-            <a:ext cx="10524798" cy="4524315"/>
+            <a:ext cx="10524798" cy="2308324"/>
           </a:xfrm>
           <a:prstGeom prst="rect">
             <a:avLst/>
@@ -10834,89 +10745,7 @@
             </a:pPr>
             <a:r>
               <a:rPr lang="en-US" sz="3600" dirty="0"/>
-              <a:t>You access a list item by index.</a:t>
-            </a:r>
-          </a:p>
-          <a:p>
-            <a:pPr marL="1028700" lvl="1" indent="-571500">
-              <a:buFont typeface="Arial" panose="020B0604020202020204" pitchFamily="34" charset="0"/>
-              <a:buChar char="•"/>
-            </a:pPr>
-            <a:r>
-              <a:rPr lang="en-US" sz="3600" dirty="0"/>
-              <a:t>Creation : </a:t>
-            </a:r>
-            <a:r>
-              <a:rPr lang="en-US" sz="3600" dirty="0" err="1"/>
-              <a:t>my_list</a:t>
-            </a:r>
-            <a:r>
-              <a:rPr lang="en-US" sz="3600" dirty="0"/>
-              <a:t> = []</a:t>
-            </a:r>
-          </a:p>
-          <a:p>
-            <a:pPr marL="1028700" lvl="1" indent="-571500">
-              <a:buFont typeface="Arial" panose="020B0604020202020204" pitchFamily="34" charset="0"/>
-              <a:buChar char="•"/>
-            </a:pPr>
-            <a:r>
-              <a:rPr lang="en-US" sz="3600" dirty="0"/>
-              <a:t>value = </a:t>
-            </a:r>
-            <a:r>
-              <a:rPr lang="en-US" sz="3600" dirty="0" err="1"/>
-              <a:t>my_list</a:t>
-            </a:r>
-            <a:r>
-              <a:rPr lang="en-US" sz="3600" dirty="0"/>
-              <a:t>[0]</a:t>
-            </a:r>
-          </a:p>
-          <a:p>
-            <a:pPr marL="571500" indent="-571500">
-              <a:buFont typeface="Arial" panose="020B0604020202020204" pitchFamily="34" charset="0"/>
-              <a:buChar char="•"/>
-            </a:pPr>
-            <a:r>
-              <a:rPr lang="en-US" sz="3600" dirty="0"/>
-              <a:t>You access a dictionary by a key.</a:t>
-            </a:r>
-          </a:p>
-          <a:p>
-            <a:pPr marL="1028700" lvl="1" indent="-571500">
-              <a:buFont typeface="Arial" panose="020B0604020202020204" pitchFamily="34" charset="0"/>
-              <a:buChar char="•"/>
-            </a:pPr>
-            <a:r>
-              <a:rPr lang="en-US" sz="3600" dirty="0"/>
-              <a:t>Creation : </a:t>
-            </a:r>
-            <a:r>
-              <a:rPr lang="en-US" sz="3600" dirty="0" err="1"/>
-              <a:t>my_dict</a:t>
-            </a:r>
-            <a:r>
-              <a:rPr lang="en-US" sz="3600" dirty="0"/>
-              <a:t> = {}</a:t>
-            </a:r>
-          </a:p>
-          <a:p>
-            <a:pPr marL="1028700" lvl="1" indent="-571500">
-              <a:buFont typeface="Arial" panose="020B0604020202020204" pitchFamily="34" charset="0"/>
-              <a:buChar char="•"/>
-            </a:pPr>
-            <a:r>
-              <a:rPr lang="en-US" sz="3600" dirty="0"/>
-              <a:t>value = </a:t>
-            </a:r>
-            <a:r>
-              <a:rPr lang="en-US" sz="3600" dirty="0" err="1"/>
-              <a:t>my_dict</a:t>
-            </a:r>
-            <a:r>
-              <a:rPr lang="en-US" sz="3600" dirty="0"/>
-              <a:t>[key]</a:t>
+              <a:t>You can create a pre-populated dictionary or an empty dictionary and just add things to it. </a:t>
             </a:r>
           </a:p>
           <a:p>
@@ -10932,6 +10761,136 @@
               <a:buChar char="•"/>
             </a:pPr>
             <a:endParaRPr lang="en-US" sz="3600" dirty="0"/>
+          </a:p>
+        </p:txBody>
+      </p:sp>
+      <p:pic>
+        <p:nvPicPr>
+          <p:cNvPr id="4" name="Picture 3">
+            <a:extLst>
+              <a:ext uri="{FF2B5EF4-FFF2-40B4-BE49-F238E27FC236}">
+                <a16:creationId xmlns:a16="http://schemas.microsoft.com/office/drawing/2014/main" id="{3969D1AF-DA7D-4701-A556-079C41BDC02E}"/>
+              </a:ext>
+            </a:extLst>
+          </p:cNvPr>
+          <p:cNvPicPr>
+            <a:picLocks noChangeAspect="1"/>
+          </p:cNvPicPr>
+          <p:nvPr/>
+        </p:nvPicPr>
+        <p:blipFill>
+          <a:blip r:embed="rId3"/>
+          <a:stretch>
+            <a:fillRect/>
+          </a:stretch>
+        </p:blipFill>
+        <p:spPr>
+          <a:xfrm>
+            <a:off x="775149" y="3855901"/>
+            <a:ext cx="5087490" cy="938893"/>
+          </a:xfrm>
+          <a:prstGeom prst="rect">
+            <a:avLst/>
+          </a:prstGeom>
+        </p:spPr>
+      </p:pic>
+      <p:pic>
+        <p:nvPicPr>
+          <p:cNvPr id="6" name="Picture 5">
+            <a:extLst>
+              <a:ext uri="{FF2B5EF4-FFF2-40B4-BE49-F238E27FC236}">
+                <a16:creationId xmlns:a16="http://schemas.microsoft.com/office/drawing/2014/main" id="{FF8BAD53-83EA-4AB5-B1E6-3FE58EEB9A41}"/>
+              </a:ext>
+            </a:extLst>
+          </p:cNvPr>
+          <p:cNvPicPr>
+            <a:picLocks noChangeAspect="1"/>
+          </p:cNvPicPr>
+          <p:nvPr/>
+        </p:nvPicPr>
+        <p:blipFill>
+          <a:blip r:embed="rId4"/>
+          <a:stretch>
+            <a:fillRect/>
+          </a:stretch>
+        </p:blipFill>
+        <p:spPr>
+          <a:xfrm>
+            <a:off x="6329362" y="3404310"/>
+            <a:ext cx="4225388" cy="1551411"/>
+          </a:xfrm>
+          <a:prstGeom prst="rect">
+            <a:avLst/>
+          </a:prstGeom>
+        </p:spPr>
+      </p:pic>
+      <p:sp>
+        <p:nvSpPr>
+          <p:cNvPr id="7" name="TextBox 6">
+            <a:extLst>
+              <a:ext uri="{FF2B5EF4-FFF2-40B4-BE49-F238E27FC236}">
+                <a16:creationId xmlns:a16="http://schemas.microsoft.com/office/drawing/2014/main" id="{B845E78F-4634-48B1-B3A9-CF8020891F2A}"/>
+              </a:ext>
+            </a:extLst>
+          </p:cNvPr>
+          <p:cNvSpPr txBox="1"/>
+          <p:nvPr/>
+        </p:nvSpPr>
+        <p:spPr>
+          <a:xfrm>
+            <a:off x="1094015" y="4955721"/>
+            <a:ext cx="3964932" cy="369332"/>
+          </a:xfrm>
+          <a:prstGeom prst="rect">
+            <a:avLst/>
+          </a:prstGeom>
+          <a:noFill/>
+        </p:spPr>
+        <p:txBody>
+          <a:bodyPr wrap="none" rtlCol="0">
+            <a:spAutoFit/>
+          </a:bodyPr>
+          <a:lstStyle/>
+          <a:p>
+            <a:r>
+              <a:rPr lang="en-US" dirty="0"/>
+              <a:t>Simply setting a value creates the entry..</a:t>
+            </a:r>
+          </a:p>
+        </p:txBody>
+      </p:sp>
+      <p:sp>
+        <p:nvSpPr>
+          <p:cNvPr id="8" name="TextBox 7">
+            <a:extLst>
+              <a:ext uri="{FF2B5EF4-FFF2-40B4-BE49-F238E27FC236}">
+                <a16:creationId xmlns:a16="http://schemas.microsoft.com/office/drawing/2014/main" id="{956D8B1D-B45A-483C-A0DE-710F38C61C95}"/>
+              </a:ext>
+            </a:extLst>
+          </p:cNvPr>
+          <p:cNvSpPr txBox="1"/>
+          <p:nvPr/>
+        </p:nvSpPr>
+        <p:spPr>
+          <a:xfrm>
+            <a:off x="6410472" y="5064947"/>
+            <a:ext cx="3120726" cy="369332"/>
+          </a:xfrm>
+          <a:prstGeom prst="rect">
+            <a:avLst/>
+          </a:prstGeom>
+          <a:noFill/>
+        </p:spPr>
+        <p:txBody>
+          <a:bodyPr wrap="none" rtlCol="0">
+            <a:spAutoFit/>
+          </a:bodyPr>
+          <a:lstStyle/>
+          <a:p>
+            <a:r>
+              <a:rPr lang="en-US" dirty="0"/>
+              <a:t>Key value separated by colon….</a:t>
+            </a:r>
           </a:p>
         </p:txBody>
       </p:sp>
@@ -10999,7 +10958,7 @@
           <a:p>
             <a:r>
               <a:rPr lang="en-US" dirty="0"/>
-              <a:t>Dictionaries vs Lists - Add </a:t>
+              <a:t>Dictionaries accessing values</a:t>
             </a:r>
           </a:p>
         </p:txBody>
@@ -11019,7 +10978,7 @@
         <p:spPr>
           <a:xfrm>
             <a:off x="650383" y="1423721"/>
-            <a:ext cx="10524798" cy="4524315"/>
+            <a:ext cx="10524798" cy="2308324"/>
           </a:xfrm>
           <a:prstGeom prst="rect">
             <a:avLst/>
@@ -11038,111 +10997,8 @@
             </a:pPr>
             <a:r>
               <a:rPr lang="en-US" sz="3600" dirty="0"/>
-              <a:t>You add to a list by index using append/extend.</a:t>
-            </a:r>
-          </a:p>
-          <a:p>
-            <a:pPr marL="1028700" lvl="1" indent="-571500">
-              <a:buFont typeface="Arial" panose="020B0604020202020204" pitchFamily="34" charset="0"/>
-              <a:buChar char="•"/>
-            </a:pPr>
-            <a:r>
-              <a:rPr lang="en-US" sz="3600" dirty="0"/>
-              <a:t>Creation : </a:t>
-            </a:r>
-            <a:r>
-              <a:rPr lang="en-US" sz="3600" dirty="0" err="1"/>
-              <a:t>my_list</a:t>
-            </a:r>
-            <a:r>
-              <a:rPr lang="en-US" sz="3600" dirty="0"/>
-              <a:t> = []</a:t>
-            </a:r>
-          </a:p>
-          <a:p>
-            <a:pPr marL="1028700" lvl="1" indent="-571500">
-              <a:buFont typeface="Arial" panose="020B0604020202020204" pitchFamily="34" charset="0"/>
-              <a:buChar char="•"/>
-            </a:pPr>
-            <a:r>
-              <a:rPr lang="en-US" sz="3600" dirty="0"/>
-              <a:t>Add : </a:t>
-            </a:r>
-            <a:r>
-              <a:rPr lang="en-US" sz="3600" dirty="0" err="1"/>
-              <a:t>my_list.append</a:t>
-            </a:r>
-            <a:r>
-              <a:rPr lang="en-US" sz="3600" dirty="0"/>
-              <a:t>(</a:t>
-            </a:r>
-            <a:r>
-              <a:rPr lang="en-US" sz="3600" dirty="0" err="1"/>
-              <a:t>new_item</a:t>
-            </a:r>
-            <a:r>
-              <a:rPr lang="en-US" sz="3600" dirty="0"/>
-              <a:t>)</a:t>
-            </a:r>
-          </a:p>
-          <a:p>
-            <a:pPr marL="571500" indent="-571500">
-              <a:buFont typeface="Arial" panose="020B0604020202020204" pitchFamily="34" charset="0"/>
-              <a:buChar char="•"/>
-            </a:pPr>
-            <a:r>
-              <a:rPr lang="en-US" sz="3600" dirty="0"/>
-              <a:t>You add to a dictionary by simply referencing a key.</a:t>
-            </a:r>
-          </a:p>
-          <a:p>
-            <a:pPr marL="1028700" lvl="1" indent="-571500">
-              <a:buFont typeface="Arial" panose="020B0604020202020204" pitchFamily="34" charset="0"/>
-              <a:buChar char="•"/>
-            </a:pPr>
-            <a:r>
-              <a:rPr lang="en-US" sz="3600" dirty="0"/>
-              <a:t>Creation : </a:t>
-            </a:r>
-            <a:r>
-              <a:rPr lang="en-US" sz="3600" dirty="0" err="1"/>
-              <a:t>my_dict</a:t>
-            </a:r>
-            <a:r>
-              <a:rPr lang="en-US" sz="3600" dirty="0"/>
-              <a:t> = {}</a:t>
-            </a:r>
-          </a:p>
-          <a:p>
-            <a:pPr marL="1028700" lvl="1" indent="-571500">
-              <a:buFont typeface="Arial" panose="020B0604020202020204" pitchFamily="34" charset="0"/>
-              <a:buChar char="•"/>
-            </a:pPr>
-            <a:r>
-              <a:rPr lang="en-US" sz="3600" dirty="0"/>
-              <a:t>Add: </a:t>
-            </a:r>
-            <a:r>
-              <a:rPr lang="en-US" sz="3600" dirty="0" err="1"/>
-              <a:t>my_dict</a:t>
-            </a:r>
-            <a:r>
-              <a:rPr lang="en-US" sz="3600" dirty="0"/>
-              <a:t>[</a:t>
-            </a:r>
-            <a:r>
-              <a:rPr lang="en-US" sz="3600" dirty="0" err="1"/>
-              <a:t>new_key</a:t>
-            </a:r>
-            <a:r>
-              <a:rPr lang="en-US" sz="3600" dirty="0"/>
-              <a:t>] = </a:t>
-            </a:r>
-            <a:r>
-              <a:rPr lang="en-US" sz="3600" dirty="0" err="1"/>
-              <a:t>new_value</a:t>
-            </a:r>
-            <a:endParaRPr lang="en-US" sz="3600" dirty="0"/>
+              <a:t>You access values by using the key into the dictionary. You can either access using the key, or use the key collection to iterate. </a:t>
+            </a:r>
           </a:p>
           <a:p>
             <a:pPr marL="571500" indent="-571500">
@@ -11151,32 +11007,55 @@
             </a:pPr>
             <a:endParaRPr lang="en-US" sz="3600" dirty="0"/>
           </a:p>
-          <a:p>
-            <a:pPr marL="571500" indent="-571500">
-              <a:buFont typeface="Arial" panose="020B0604020202020204" pitchFamily="34" charset="0"/>
-              <a:buChar char="•"/>
-            </a:pPr>
-            <a:endParaRPr lang="en-US" sz="3600" dirty="0"/>
-          </a:p>
-        </p:txBody>
-      </p:sp>
+        </p:txBody>
+      </p:sp>
+      <p:pic>
+        <p:nvPicPr>
+          <p:cNvPr id="4" name="Picture 3">
+            <a:extLst>
+              <a:ext uri="{FF2B5EF4-FFF2-40B4-BE49-F238E27FC236}">
+                <a16:creationId xmlns:a16="http://schemas.microsoft.com/office/drawing/2014/main" id="{58237BCC-9E0F-4D78-A627-C1F455298B5F}"/>
+              </a:ext>
+            </a:extLst>
+          </p:cNvPr>
+          <p:cNvPicPr>
+            <a:picLocks noChangeAspect="1"/>
+          </p:cNvPicPr>
+          <p:nvPr/>
+        </p:nvPicPr>
+        <p:blipFill>
+          <a:blip r:embed="rId3"/>
+          <a:stretch>
+            <a:fillRect/>
+          </a:stretch>
+        </p:blipFill>
+        <p:spPr>
+          <a:xfrm>
+            <a:off x="2324786" y="3640571"/>
+            <a:ext cx="5984942" cy="1902979"/>
+          </a:xfrm>
+          <a:prstGeom prst="rect">
+            <a:avLst/>
+          </a:prstGeom>
+        </p:spPr>
+      </p:pic>
     </p:spTree>
     <p:extLst>
       <p:ext uri="{BB962C8B-B14F-4D97-AF65-F5344CB8AC3E}">
-        <p14:creationId xmlns:p14="http://schemas.microsoft.com/office/powerpoint/2010/main" val="2823569440"/>
+        <p14:creationId xmlns:p14="http://schemas.microsoft.com/office/powerpoint/2010/main" val="195514108"/>
       </p:ext>
     </p:extLst>
   </p:cSld>
   <p:clrMapOvr>
     <a:masterClrMapping/>
   </p:clrMapOvr>
-  <mc:AlternateContent xmlns:mc="http://schemas.openxmlformats.org/markup-compatibility/2006">
-    <mc:Choice xmlns:p14="http://schemas.microsoft.com/office/powerpoint/2010/main" Requires="p14">
+  <mc:AlternateContent xmlns:mc="http://schemas.openxmlformats.org/markup-compatibility/2006" xmlns:p14="http://schemas.microsoft.com/office/powerpoint/2010/main">
+    <mc:Choice Requires="p14">
       <p:transition spd="med" p14:dur="700">
         <p:fade/>
       </p:transition>
     </mc:Choice>
-    <mc:Fallback>
+    <mc:Fallback xmlns="">
       <p:transition spd="med">
         <p:fade/>
       </p:transition>
@@ -11224,7 +11103,7 @@
           <a:p>
             <a:r>
               <a:rPr lang="en-US" dirty="0"/>
-              <a:t>Dictionaries vs Lists - Iterate</a:t>
+              <a:t>Dictionaries Example</a:t>
             </a:r>
           </a:p>
         </p:txBody>
@@ -11244,7 +11123,7 @@
         <p:spPr>
           <a:xfrm>
             <a:off x="650383" y="1423721"/>
-            <a:ext cx="10524798" cy="5632311"/>
+            <a:ext cx="10524798" cy="1754326"/>
           </a:xfrm>
           <a:prstGeom prst="rect">
             <a:avLst/>
@@ -11257,155 +11136,151 @@
           </a:bodyPr>
           <a:lstStyle/>
           <a:p>
-            <a:pPr marL="571500" indent="-571500">
-              <a:buFont typeface="Arial" panose="020B0604020202020204" pitchFamily="34" charset="0"/>
-              <a:buChar char="•"/>
-            </a:pPr>
-            <a:r>
-              <a:rPr lang="en-US" sz="3600" dirty="0"/>
-              <a:t>You iterate the contents of a list using indexes:</a:t>
-            </a:r>
-          </a:p>
-          <a:p>
-            <a:pPr lvl="1"/>
-            <a:r>
-              <a:rPr lang="en-US" sz="3600" dirty="0"/>
-              <a:t>	for index in range(</a:t>
-            </a:r>
-            <a:r>
-              <a:rPr lang="en-US" sz="3600" dirty="0" err="1"/>
-              <a:t>my_list</a:t>
-            </a:r>
-            <a:r>
-              <a:rPr lang="en-US" sz="3600" dirty="0"/>
-              <a:t>):</a:t>
-            </a:r>
-          </a:p>
-          <a:p>
-            <a:pPr lvl="1"/>
-            <a:r>
-              <a:rPr lang="en-US" sz="3600" dirty="0"/>
-              <a:t>		print(</a:t>
-            </a:r>
-            <a:r>
-              <a:rPr lang="en-US" sz="3600" dirty="0" err="1"/>
-              <a:t>my_list</a:t>
-            </a:r>
-            <a:r>
-              <a:rPr lang="en-US" sz="3600"/>
-              <a:t>[index])</a:t>
-            </a:r>
-          </a:p>
-          <a:p>
-            <a:pPr lvl="1"/>
-            <a:endParaRPr lang="en-US" sz="3600" dirty="0"/>
-          </a:p>
-          <a:p>
-            <a:pPr marL="571500" lvl="0" indent="-571500">
-              <a:buFont typeface="Arial" panose="020B0604020202020204" pitchFamily="34" charset="0"/>
-              <a:buChar char="•"/>
+            <a:pPr marR="0" lvl="0" algn="l" defTabSz="914400" rtl="0" eaLnBrk="1" fontAlgn="auto" latinLnBrk="0" hangingPunct="1">
+              <a:lnSpc>
+                <a:spcPct val="100000"/>
+              </a:lnSpc>
+              <a:spcBef>
+                <a:spcPts val="0"/>
+              </a:spcBef>
+              <a:spcAft>
+                <a:spcPts val="0"/>
+              </a:spcAft>
+              <a:buClrTx/>
+              <a:buSzTx/>
+              <a:tabLst/>
               <a:defRPr/>
             </a:pPr>
             <a:r>
-              <a:rPr lang="en-US" sz="3600" dirty="0">
+              <a:rPr kumimoji="0" lang="en-US" sz="3600" b="0" i="0" u="none" strike="noStrike" kern="1200" cap="none" spc="0" normalizeH="0" baseline="0" noProof="0" dirty="0">
+                <a:ln>
+                  <a:noFill/>
+                </a:ln>
                 <a:solidFill>
                   <a:prstClr val="white"/>
                 </a:solidFill>
+                <a:effectLst/>
+                <a:uLnTx/>
+                <a:uFillTx/>
+                <a:latin typeface="Calibri" panose="020F0502020204030204"/>
+                <a:ea typeface="+mn-ea"/>
+                <a:cs typeface="+mn-cs"/>
               </a:rPr>
-              <a:t>You iterate the contents of a dictionary using the keys:</a:t>
-            </a:r>
-          </a:p>
-          <a:p>
-            <a:pPr lvl="0">
+              <a:t>Consider the Oregon Trail program, we could contain all of our settings in a dictionary and just pass that around.</a:t>
+            </a:r>
+          </a:p>
+          <a:p>
+            <a:pPr marL="571500" marR="0" lvl="0" indent="-571500" algn="l" defTabSz="914400" rtl="0" eaLnBrk="1" fontAlgn="auto" latinLnBrk="0" hangingPunct="1">
+              <a:lnSpc>
+                <a:spcPct val="100000"/>
+              </a:lnSpc>
+              <a:spcBef>
+                <a:spcPts val="0"/>
+              </a:spcBef>
+              <a:spcAft>
+                <a:spcPts val="0"/>
+              </a:spcAft>
+              <a:buClrTx/>
+              <a:buSzTx/>
+              <a:buFont typeface="Arial" panose="020B0604020202020204" pitchFamily="34" charset="0"/>
+              <a:buChar char="•"/>
+              <a:tabLst/>
               <a:defRPr/>
             </a:pPr>
-            <a:r>
-              <a:rPr lang="en-US" sz="3600" dirty="0">
-                <a:solidFill>
-                  <a:prstClr val="white"/>
-                </a:solidFill>
-              </a:rPr>
-              <a:t>	for key in </a:t>
-            </a:r>
-            <a:r>
-              <a:rPr lang="en-US" sz="3600" dirty="0" err="1">
-                <a:solidFill>
-                  <a:prstClr val="white"/>
-                </a:solidFill>
-              </a:rPr>
-              <a:t>my_dictionary.keys</a:t>
-            </a:r>
-            <a:r>
-              <a:rPr lang="en-US" sz="3600" dirty="0">
-                <a:solidFill>
-                  <a:prstClr val="white"/>
-                </a:solidFill>
-              </a:rPr>
-              <a:t>():</a:t>
-            </a:r>
-          </a:p>
-          <a:p>
-            <a:pPr lvl="0">
-              <a:defRPr/>
-            </a:pPr>
-            <a:r>
-              <a:rPr lang="en-US" sz="3600" dirty="0">
-                <a:solidFill>
-                  <a:prstClr val="white"/>
-                </a:solidFill>
-              </a:rPr>
-              <a:t>		print(“Key”, key, “=“, </a:t>
-            </a:r>
-            <a:r>
-              <a:rPr lang="en-US" sz="3600" dirty="0" err="1">
-                <a:solidFill>
-                  <a:prstClr val="white"/>
-                </a:solidFill>
-              </a:rPr>
-              <a:t>my_dictionary</a:t>
-            </a:r>
-            <a:r>
-              <a:rPr lang="en-US" sz="3600" dirty="0">
-                <a:solidFill>
-                  <a:prstClr val="white"/>
-                </a:solidFill>
-              </a:rPr>
-              <a:t>[key])</a:t>
-            </a:r>
-          </a:p>
-          <a:p>
-            <a:pPr marL="571500" indent="-571500">
-              <a:buFont typeface="Arial" panose="020B0604020202020204" pitchFamily="34" charset="0"/>
-              <a:buChar char="•"/>
-            </a:pPr>
-            <a:endParaRPr lang="en-US" sz="3600" dirty="0"/>
-          </a:p>
-          <a:p>
-            <a:pPr marL="571500" indent="-571500">
-              <a:buFont typeface="Arial" panose="020B0604020202020204" pitchFamily="34" charset="0"/>
-              <a:buChar char="•"/>
-            </a:pPr>
-            <a:endParaRPr lang="en-US" sz="3600" dirty="0"/>
-          </a:p>
-        </p:txBody>
-      </p:sp>
+            <a:endParaRPr kumimoji="0" lang="en-US" sz="3600" b="0" i="0" u="none" strike="noStrike" kern="1200" cap="none" spc="0" normalizeH="0" baseline="0" noProof="0" dirty="0">
+              <a:ln>
+                <a:noFill/>
+              </a:ln>
+              <a:solidFill>
+                <a:prstClr val="white"/>
+              </a:solidFill>
+              <a:effectLst/>
+              <a:uLnTx/>
+              <a:uFillTx/>
+              <a:latin typeface="Calibri" panose="020F0502020204030204"/>
+              <a:ea typeface="+mn-ea"/>
+              <a:cs typeface="+mn-cs"/>
+            </a:endParaRPr>
+          </a:p>
+        </p:txBody>
+      </p:sp>
+      <p:pic>
+        <p:nvPicPr>
+          <p:cNvPr id="5" name="Picture 4">
+            <a:extLst>
+              <a:ext uri="{FF2B5EF4-FFF2-40B4-BE49-F238E27FC236}">
+                <a16:creationId xmlns:a16="http://schemas.microsoft.com/office/drawing/2014/main" id="{2965CFF0-CC83-4DCD-8769-6AF731DA3BE1}"/>
+              </a:ext>
+            </a:extLst>
+          </p:cNvPr>
+          <p:cNvPicPr>
+            <a:picLocks noChangeAspect="1"/>
+          </p:cNvPicPr>
+          <p:nvPr/>
+        </p:nvPicPr>
+        <p:blipFill>
+          <a:blip r:embed="rId3"/>
+          <a:stretch>
+            <a:fillRect/>
+          </a:stretch>
+        </p:blipFill>
+        <p:spPr>
+          <a:xfrm>
+            <a:off x="517913" y="2810835"/>
+            <a:ext cx="5143500" cy="3486150"/>
+          </a:xfrm>
+          <a:prstGeom prst="rect">
+            <a:avLst/>
+          </a:prstGeom>
+        </p:spPr>
+      </p:pic>
+      <p:pic>
+        <p:nvPicPr>
+          <p:cNvPr id="7" name="Picture 6">
+            <a:extLst>
+              <a:ext uri="{FF2B5EF4-FFF2-40B4-BE49-F238E27FC236}">
+                <a16:creationId xmlns:a16="http://schemas.microsoft.com/office/drawing/2014/main" id="{84643A88-9D89-408C-867E-950015A4D7A4}"/>
+              </a:ext>
+            </a:extLst>
+          </p:cNvPr>
+          <p:cNvPicPr>
+            <a:picLocks noChangeAspect="1"/>
+          </p:cNvPicPr>
+          <p:nvPr/>
+        </p:nvPicPr>
+        <p:blipFill>
+          <a:blip r:embed="rId4"/>
+          <a:stretch>
+            <a:fillRect/>
+          </a:stretch>
+        </p:blipFill>
+        <p:spPr>
+          <a:xfrm>
+            <a:off x="6454038" y="2702511"/>
+            <a:ext cx="4379969" cy="3595119"/>
+          </a:xfrm>
+          <a:prstGeom prst="rect">
+            <a:avLst/>
+          </a:prstGeom>
+        </p:spPr>
+      </p:pic>
     </p:spTree>
     <p:extLst>
       <p:ext uri="{BB962C8B-B14F-4D97-AF65-F5344CB8AC3E}">
-        <p14:creationId xmlns:p14="http://schemas.microsoft.com/office/powerpoint/2010/main" val="195514108"/>
+        <p14:creationId xmlns:p14="http://schemas.microsoft.com/office/powerpoint/2010/main" val="1257743270"/>
       </p:ext>
     </p:extLst>
   </p:cSld>
   <p:clrMapOvr>
     <a:masterClrMapping/>
   </p:clrMapOvr>
-  <mc:AlternateContent xmlns:mc="http://schemas.openxmlformats.org/markup-compatibility/2006">
-    <mc:Choice xmlns:p14="http://schemas.microsoft.com/office/powerpoint/2010/main" Requires="p14">
+  <mc:AlternateContent xmlns:mc="http://schemas.openxmlformats.org/markup-compatibility/2006" xmlns:p14="http://schemas.microsoft.com/office/powerpoint/2010/main">
+    <mc:Choice Requires="p14">
       <p:transition spd="med" p14:dur="700">
         <p:fade/>
       </p:transition>
     </mc:Choice>
-    <mc:Fallback>
+    <mc:Fallback xmlns="">
       <p:transition spd="med">
         <p:fade/>
       </p:transition>
@@ -12639,4 +12514,10 @@
     </a:ext>
   </a:extLst>
 </a:theme>
+</file>
+
+<file path=docMetadata/LabelInfo.xml><?xml version="1.0" encoding="utf-8"?>
+<clbl:labelList xmlns:clbl="http://schemas.microsoft.com/office/2020/mipLabelMetadata">
+  <clbl:label id="{f42aa342-8706-4288-bd11-ebb85995028c}" enabled="1" method="Privileged" siteId="{72f988bf-86f1-41af-91ab-2d7cd011db47}" removed="0"/>
+</clbl:labelList>
 </file>
--- a/5_presentations/Dictionaries.pptx
+++ b/5_presentations/Dictionaries.pptx
@@ -205,7 +205,7 @@
           <a:p>
             <a:fld id="{354D3AFA-F451-444D-BAEC-38D955773079}" type="datetimeFigureOut">
               <a:rPr lang="en-US" smtClean="0"/>
-              <a:t>3/6/2021</a:t>
+              <a:t>3/8/2021</a:t>
             </a:fld>
             <a:endParaRPr lang="en-US"/>
           </a:p>
@@ -715,7 +715,7 @@
                 <a:tabLst/>
                 <a:defRPr/>
               </a:pPr>
-              <a:t>3/6/2021 10:28 AM</a:t>
+              <a:t>3/8/2021 8:17 AM</a:t>
             </a:fld>
             <a:endParaRPr kumimoji="0" lang="en-US" sz="1200" b="0" i="0" u="none" strike="noStrike" kern="1200" cap="none" spc="0" normalizeH="0" baseline="0" noProof="0" dirty="0">
               <a:ln>
@@ -1073,7 +1073,7 @@
                 <a:tabLst/>
                 <a:defRPr/>
               </a:pPr>
-              <a:t>3/6/2021 10:32 AM</a:t>
+              <a:t>3/8/2021 8:17 AM</a:t>
             </a:fld>
             <a:endParaRPr kumimoji="0" lang="en-US" sz="1200" b="0" i="0" u="none" strike="noStrike" kern="1200" cap="none" spc="0" normalizeH="0" baseline="0" noProof="0" dirty="0">
               <a:ln>
@@ -1431,7 +1431,7 @@
                 <a:tabLst/>
                 <a:defRPr/>
               </a:pPr>
-              <a:t>3/6/2021 10:39 AM</a:t>
+              <a:t>3/8/2021 8:17 AM</a:t>
             </a:fld>
             <a:endParaRPr kumimoji="0" lang="en-US" sz="1200" b="0" i="0" u="none" strike="noStrike" kern="1200" cap="none" spc="0" normalizeH="0" baseline="0" noProof="0" dirty="0">
               <a:ln>
@@ -1789,7 +1789,7 @@
                 <a:tabLst/>
                 <a:defRPr/>
               </a:pPr>
-              <a:t>3/6/2021 10:28 AM</a:t>
+              <a:t>3/8/2021 8:17 AM</a:t>
             </a:fld>
             <a:endParaRPr kumimoji="0" lang="en-US" sz="1200" b="0" i="0" u="none" strike="noStrike" kern="1200" cap="none" spc="0" normalizeH="0" baseline="0" noProof="0" dirty="0">
               <a:ln>
@@ -2147,7 +2147,7 @@
                 <a:tabLst/>
                 <a:defRPr/>
               </a:pPr>
-              <a:t>3/6/2021 10:46 AM</a:t>
+              <a:t>3/8/2021 8:17 AM</a:t>
             </a:fld>
             <a:endParaRPr kumimoji="0" lang="en-US" sz="1200" b="0" i="0" u="none" strike="noStrike" kern="1200" cap="none" spc="0" normalizeH="0" baseline="0" noProof="0" dirty="0">
               <a:ln>
@@ -2505,7 +2505,7 @@
                 <a:tabLst/>
                 <a:defRPr/>
               </a:pPr>
-              <a:t>3/6/2021 10:28 AM</a:t>
+              <a:t>3/8/2021 8:17 AM</a:t>
             </a:fld>
             <a:endParaRPr kumimoji="0" lang="en-US" sz="1200" b="0" i="0" u="none" strike="noStrike" kern="1200" cap="none" spc="0" normalizeH="0" baseline="0" noProof="0" dirty="0">
               <a:ln>
@@ -2796,7 +2796,7 @@
                 <a:tabLst/>
                 <a:defRPr/>
               </a:pPr>
-              <a:t>3/6/2021 10:28 AM</a:t>
+              <a:t>3/8/2021 8:17 AM</a:t>
             </a:fld>
             <a:endParaRPr kumimoji="0" lang="en-US" sz="1200" b="0" i="0" u="none" strike="noStrike" kern="1200" cap="none" spc="0" normalizeH="0" baseline="0" noProof="0" dirty="0">
               <a:ln>
@@ -3140,7 +3140,7 @@
           <a:p>
             <a:fld id="{DFA8C626-DCFC-44B9-B53F-E89648D7BB7E}" type="datetimeFigureOut">
               <a:rPr lang="en-US" smtClean="0"/>
-              <a:t>3/6/2021</a:t>
+              <a:t>3/8/2021</a:t>
             </a:fld>
             <a:endParaRPr lang="en-US"/>
           </a:p>
@@ -3338,7 +3338,7 @@
           <a:p>
             <a:fld id="{DFA8C626-DCFC-44B9-B53F-E89648D7BB7E}" type="datetimeFigureOut">
               <a:rPr lang="en-US" smtClean="0"/>
-              <a:t>3/6/2021</a:t>
+              <a:t>3/8/2021</a:t>
             </a:fld>
             <a:endParaRPr lang="en-US"/>
           </a:p>
@@ -3546,7 +3546,7 @@
           <a:p>
             <a:fld id="{DFA8C626-DCFC-44B9-B53F-E89648D7BB7E}" type="datetimeFigureOut">
               <a:rPr lang="en-US" smtClean="0"/>
-              <a:t>3/6/2021</a:t>
+              <a:t>3/8/2021</a:t>
             </a:fld>
             <a:endParaRPr lang="en-US"/>
           </a:p>
@@ -5559,7 +5559,7 @@
           <a:p>
             <a:fld id="{DFA8C626-DCFC-44B9-B53F-E89648D7BB7E}" type="datetimeFigureOut">
               <a:rPr lang="en-US" smtClean="0"/>
-              <a:t>3/6/2021</a:t>
+              <a:t>3/8/2021</a:t>
             </a:fld>
             <a:endParaRPr lang="en-US"/>
           </a:p>
@@ -7277,7 +7277,7 @@
           <a:p>
             <a:fld id="{DFA8C626-DCFC-44B9-B53F-E89648D7BB7E}" type="datetimeFigureOut">
               <a:rPr lang="en-US" smtClean="0"/>
-              <a:t>3/6/2021</a:t>
+              <a:t>3/8/2021</a:t>
             </a:fld>
             <a:endParaRPr lang="en-US"/>
           </a:p>
@@ -7542,7 +7542,7 @@
           <a:p>
             <a:fld id="{DFA8C626-DCFC-44B9-B53F-E89648D7BB7E}" type="datetimeFigureOut">
               <a:rPr lang="en-US" smtClean="0"/>
-              <a:t>3/6/2021</a:t>
+              <a:t>3/8/2021</a:t>
             </a:fld>
             <a:endParaRPr lang="en-US"/>
           </a:p>
@@ -7954,7 +7954,7 @@
           <a:p>
             <a:fld id="{DFA8C626-DCFC-44B9-B53F-E89648D7BB7E}" type="datetimeFigureOut">
               <a:rPr lang="en-US" smtClean="0"/>
-              <a:t>3/6/2021</a:t>
+              <a:t>3/8/2021</a:t>
             </a:fld>
             <a:endParaRPr lang="en-US"/>
           </a:p>
@@ -8095,7 +8095,7 @@
           <a:p>
             <a:fld id="{DFA8C626-DCFC-44B9-B53F-E89648D7BB7E}" type="datetimeFigureOut">
               <a:rPr lang="en-US" smtClean="0"/>
-              <a:t>3/6/2021</a:t>
+              <a:t>3/8/2021</a:t>
             </a:fld>
             <a:endParaRPr lang="en-US"/>
           </a:p>
@@ -8208,7 +8208,7 @@
           <a:p>
             <a:fld id="{DFA8C626-DCFC-44B9-B53F-E89648D7BB7E}" type="datetimeFigureOut">
               <a:rPr lang="en-US" smtClean="0"/>
-              <a:t>3/6/2021</a:t>
+              <a:t>3/8/2021</a:t>
             </a:fld>
             <a:endParaRPr lang="en-US"/>
           </a:p>
@@ -8519,7 +8519,7 @@
           <a:p>
             <a:fld id="{DFA8C626-DCFC-44B9-B53F-E89648D7BB7E}" type="datetimeFigureOut">
               <a:rPr lang="en-US" smtClean="0"/>
-              <a:t>3/6/2021</a:t>
+              <a:t>3/8/2021</a:t>
             </a:fld>
             <a:endParaRPr lang="en-US"/>
           </a:p>
@@ -8807,7 +8807,7 @@
           <a:p>
             <a:fld id="{DFA8C626-DCFC-44B9-B53F-E89648D7BB7E}" type="datetimeFigureOut">
               <a:rPr lang="en-US" smtClean="0"/>
-              <a:t>3/6/2021</a:t>
+              <a:t>3/8/2021</a:t>
             </a:fld>
             <a:endParaRPr lang="en-US"/>
           </a:p>
@@ -9048,7 +9048,7 @@
           <a:p>
             <a:fld id="{DFA8C626-DCFC-44B9-B53F-E89648D7BB7E}" type="datetimeFigureOut">
               <a:rPr lang="en-US" smtClean="0"/>
-              <a:t>3/6/2021</a:t>
+              <a:t>3/8/2021</a:t>
             </a:fld>
             <a:endParaRPr lang="en-US"/>
           </a:p>
@@ -10393,9 +10393,10 @@
               <a:buChar char="•"/>
             </a:pPr>
             <a:r>
-              <a:rPr lang="en-US" sz="3600" dirty="0"/>
-              <a:t>List</a:t>
-            </a:r>
+              <a:rPr lang="en-US" sz="3600"/>
+              <a:t>List </a:t>
+            </a:r>
+            <a:endParaRPr lang="en-US" sz="3600" dirty="0"/>
           </a:p>
           <a:p>
             <a:pPr marL="1028700" lvl="1" indent="-571500">
